--- a/xxx-DynatraceOnAzure/Coach/Lectures.pptx
+++ b/xxx-DynatraceOnAzure/Coach/Lectures.pptx
@@ -5,25 +5,26 @@
     <p:sldMasterId id="2147483986" r:id="rId1"/>
   </p:sldMasterIdLst>
   <p:notesMasterIdLst>
-    <p:notesMasterId r:id="rId15"/>
+    <p:notesMasterId r:id="rId16"/>
   </p:notesMasterIdLst>
   <p:handoutMasterIdLst>
-    <p:handoutMasterId r:id="rId16"/>
+    <p:handoutMasterId r:id="rId17"/>
   </p:handoutMasterIdLst>
   <p:sldIdLst>
     <p:sldId id="3635" r:id="rId2"/>
-    <p:sldId id="3636" r:id="rId3"/>
-    <p:sldId id="509" r:id="rId4"/>
-    <p:sldId id="3648" r:id="rId5"/>
-    <p:sldId id="3660" r:id="rId6"/>
-    <p:sldId id="528" r:id="rId7"/>
-    <p:sldId id="3666" r:id="rId8"/>
-    <p:sldId id="3667" r:id="rId9"/>
-    <p:sldId id="3664" r:id="rId10"/>
-    <p:sldId id="3668" r:id="rId11"/>
-    <p:sldId id="3669" r:id="rId12"/>
-    <p:sldId id="3665" r:id="rId13"/>
-    <p:sldId id="3663" r:id="rId14"/>
+    <p:sldId id="256" r:id="rId3"/>
+    <p:sldId id="3636" r:id="rId4"/>
+    <p:sldId id="509" r:id="rId5"/>
+    <p:sldId id="3648" r:id="rId6"/>
+    <p:sldId id="3660" r:id="rId7"/>
+    <p:sldId id="528" r:id="rId8"/>
+    <p:sldId id="3666" r:id="rId9"/>
+    <p:sldId id="3667" r:id="rId10"/>
+    <p:sldId id="3664" r:id="rId11"/>
+    <p:sldId id="3668" r:id="rId12"/>
+    <p:sldId id="3669" r:id="rId13"/>
+    <p:sldId id="3665" r:id="rId14"/>
+    <p:sldId id="3663" r:id="rId15"/>
   </p:sldIdLst>
   <p:sldSz cx="12192000" cy="6858000"/>
   <p:notesSz cx="6858000" cy="9144000"/>
@@ -218,7 +219,7 @@
           <a:p>
             <a:fld id="{D2F29697-4A6D-AC4B-B035-E737BE26C24F}" type="datetimeFigureOut">
               <a:rPr lang="en-US" smtClean="0"/>
-              <a:t>5/7/2022</a:t>
+              <a:t>3/14/2023</a:t>
             </a:fld>
             <a:endParaRPr lang="en-US"/>
           </a:p>
@@ -383,7 +384,7 @@
           <a:p>
             <a:fld id="{3B795838-E26F-BF4F-AF40-5695E293B9BE}" type="datetimeFigureOut">
               <a:rPr lang="en-US" smtClean="0"/>
-              <a:t>5/7/2022</a:t>
+              <a:t>3/14/2023</a:t>
             </a:fld>
             <a:endParaRPr lang="en-US"/>
           </a:p>
@@ -973,7 +974,7 @@
                 <a:tabLst/>
                 <a:defRPr/>
               </a:pPr>
-              <a:t>10</a:t>
+              <a:t>11</a:t>
             </a:fld>
             <a:endParaRPr kumimoji="0" lang="en-US" sz="1200" b="0" i="0" u="none" strike="noStrike" kern="1200" cap="none" spc="0" normalizeH="0" baseline="0" noProof="0">
               <a:ln>
@@ -1119,159 +1120,6 @@
               <a:defRPr/>
             </a:pPr>
             <a:fld id="{72A19410-49C3-46C5-A633-999FD8C4418C}" type="slidenum">
-              <a:rPr kumimoji="0" lang="en-US" sz="1200" b="0" i="0" u="none" strike="noStrike" kern="1200" cap="none" spc="0" normalizeH="0" baseline="0" noProof="0" smtClean="0">
-                <a:ln>
-                  <a:noFill/>
-                </a:ln>
-                <a:solidFill>
-                  <a:prstClr val="black"/>
-                </a:solidFill>
-                <a:effectLst/>
-                <a:uLnTx/>
-                <a:uFillTx/>
-                <a:latin typeface="Calibri" panose="020F0502020204030204"/>
-                <a:ea typeface="+mn-ea"/>
-                <a:cs typeface="+mn-cs"/>
-              </a:rPr>
-              <a:pPr marL="0" marR="0" lvl="0" indent="0" algn="r" defTabSz="914400" rtl="0" eaLnBrk="1" fontAlgn="auto" latinLnBrk="0" hangingPunct="1">
-                <a:lnSpc>
-                  <a:spcPct val="100000"/>
-                </a:lnSpc>
-                <a:spcBef>
-                  <a:spcPts val="0"/>
-                </a:spcBef>
-                <a:spcAft>
-                  <a:spcPts val="0"/>
-                </a:spcAft>
-                <a:buClrTx/>
-                <a:buSzTx/>
-                <a:buFontTx/>
-                <a:buNone/>
-                <a:tabLst/>
-                <a:defRPr/>
-              </a:pPr>
-              <a:t>11</a:t>
-            </a:fld>
-            <a:endParaRPr kumimoji="0" lang="en-US" sz="1200" b="0" i="0" u="none" strike="noStrike" kern="1200" cap="none" spc="0" normalizeH="0" baseline="0" noProof="0">
-              <a:ln>
-                <a:noFill/>
-              </a:ln>
-              <a:solidFill>
-                <a:prstClr val="black"/>
-              </a:solidFill>
-              <a:effectLst/>
-              <a:uLnTx/>
-              <a:uFillTx/>
-              <a:latin typeface="Calibri" panose="020F0502020204030204"/>
-              <a:ea typeface="+mn-ea"/>
-              <a:cs typeface="+mn-cs"/>
-            </a:endParaRPr>
-          </a:p>
-        </p:txBody>
-      </p:sp>
-    </p:spTree>
-    <p:extLst>
-      <p:ext uri="{BB962C8B-B14F-4D97-AF65-F5344CB8AC3E}">
-        <p14:creationId xmlns:p14="http://schemas.microsoft.com/office/powerpoint/2010/main" val="711079993"/>
-      </p:ext>
-    </p:extLst>
-  </p:cSld>
-  <p:clrMapOvr>
-    <a:masterClrMapping/>
-  </p:clrMapOvr>
-</p:notes>
-</file>
-
-<file path=ppt/notesSlides/notesSlide12.xml><?xml version="1.0" encoding="utf-8"?>
-<p:notes xmlns:a="http://schemas.openxmlformats.org/drawingml/2006/main" xmlns:r="http://schemas.openxmlformats.org/officeDocument/2006/relationships" xmlns:p="http://schemas.openxmlformats.org/presentationml/2006/main">
-  <p:cSld>
-    <p:spTree>
-      <p:nvGrpSpPr>
-        <p:cNvPr id="1" name=""/>
-        <p:cNvGrpSpPr/>
-        <p:nvPr/>
-      </p:nvGrpSpPr>
-      <p:grpSpPr>
-        <a:xfrm>
-          <a:off x="0" y="0"/>
-          <a:ext cx="0" cy="0"/>
-          <a:chOff x="0" y="0"/>
-          <a:chExt cx="0" cy="0"/>
-        </a:xfrm>
-      </p:grpSpPr>
-      <p:sp>
-        <p:nvSpPr>
-          <p:cNvPr id="2" name="Slide Image Placeholder 1"/>
-          <p:cNvSpPr>
-            <a:spLocks noGrp="1" noRot="1" noChangeAspect="1"/>
-          </p:cNvSpPr>
-          <p:nvPr>
-            <p:ph type="sldImg"/>
-          </p:nvPr>
-        </p:nvSpPr>
-        <p:spPr/>
-      </p:sp>
-      <p:sp>
-        <p:nvSpPr>
-          <p:cNvPr id="3" name="Notes Placeholder 2"/>
-          <p:cNvSpPr>
-            <a:spLocks noGrp="1"/>
-          </p:cNvSpPr>
-          <p:nvPr>
-            <p:ph type="body" idx="1"/>
-          </p:nvPr>
-        </p:nvSpPr>
-        <p:spPr/>
-        <p:txBody>
-          <a:bodyPr/>
-          <a:lstStyle/>
-          <a:p>
-            <a:r>
-              <a:rPr lang="en-US" dirty="0"/>
-              <a:t>For each challenge, list out the key high-level goals.</a:t>
-            </a:r>
-          </a:p>
-          <a:p>
-            <a:r>
-              <a:rPr lang="en-US" dirty="0"/>
-              <a:t>If there are important specifications, list them here, or remind students to “read the student guide!” </a:t>
-            </a:r>
-          </a:p>
-        </p:txBody>
-      </p:sp>
-      <p:sp>
-        <p:nvSpPr>
-          <p:cNvPr id="4" name="Slide Number Placeholder 3"/>
-          <p:cNvSpPr>
-            <a:spLocks noGrp="1"/>
-          </p:cNvSpPr>
-          <p:nvPr>
-            <p:ph type="sldNum" sz="quarter" idx="10"/>
-          </p:nvPr>
-        </p:nvSpPr>
-        <p:spPr/>
-        <p:txBody>
-          <a:bodyPr/>
-          <a:lstStyle/>
-          <a:p>
-            <a:pPr marL="0" marR="0" lvl="0" indent="0" algn="r" defTabSz="914400" rtl="0" eaLnBrk="1" fontAlgn="auto" latinLnBrk="0" hangingPunct="1">
-              <a:lnSpc>
-                <a:spcPct val="100000"/>
-              </a:lnSpc>
-              <a:spcBef>
-                <a:spcPts val="0"/>
-              </a:spcBef>
-              <a:spcAft>
-                <a:spcPts val="0"/>
-              </a:spcAft>
-              <a:buClrTx/>
-              <a:buSzTx/>
-              <a:buFontTx/>
-              <a:buNone/>
-              <a:tabLst/>
-              <a:defRPr/>
-            </a:pPr>
-            <a:fld id="{871D71AE-08D6-4951-B1CF-CF97299DB5EB}" type="slidenum">
               <a:rPr kumimoji="0" lang="en-US" sz="1200" b="0" i="0" u="none" strike="noStrike" kern="1200" cap="none" spc="0" normalizeH="0" baseline="0" noProof="0" smtClean="0">
                 <a:ln>
                   <a:noFill/>
@@ -1325,6 +1173,159 @@
     </p:spTree>
     <p:extLst>
       <p:ext uri="{BB962C8B-B14F-4D97-AF65-F5344CB8AC3E}">
+        <p14:creationId xmlns:p14="http://schemas.microsoft.com/office/powerpoint/2010/main" val="711079993"/>
+      </p:ext>
+    </p:extLst>
+  </p:cSld>
+  <p:clrMapOvr>
+    <a:masterClrMapping/>
+  </p:clrMapOvr>
+</p:notes>
+</file>
+
+<file path=ppt/notesSlides/notesSlide12.xml><?xml version="1.0" encoding="utf-8"?>
+<p:notes xmlns:a="http://schemas.openxmlformats.org/drawingml/2006/main" xmlns:r="http://schemas.openxmlformats.org/officeDocument/2006/relationships" xmlns:p="http://schemas.openxmlformats.org/presentationml/2006/main">
+  <p:cSld>
+    <p:spTree>
+      <p:nvGrpSpPr>
+        <p:cNvPr id="1" name=""/>
+        <p:cNvGrpSpPr/>
+        <p:nvPr/>
+      </p:nvGrpSpPr>
+      <p:grpSpPr>
+        <a:xfrm>
+          <a:off x="0" y="0"/>
+          <a:ext cx="0" cy="0"/>
+          <a:chOff x="0" y="0"/>
+          <a:chExt cx="0" cy="0"/>
+        </a:xfrm>
+      </p:grpSpPr>
+      <p:sp>
+        <p:nvSpPr>
+          <p:cNvPr id="2" name="Slide Image Placeholder 1"/>
+          <p:cNvSpPr>
+            <a:spLocks noGrp="1" noRot="1" noChangeAspect="1"/>
+          </p:cNvSpPr>
+          <p:nvPr>
+            <p:ph type="sldImg"/>
+          </p:nvPr>
+        </p:nvSpPr>
+        <p:spPr/>
+      </p:sp>
+      <p:sp>
+        <p:nvSpPr>
+          <p:cNvPr id="3" name="Notes Placeholder 2"/>
+          <p:cNvSpPr>
+            <a:spLocks noGrp="1"/>
+          </p:cNvSpPr>
+          <p:nvPr>
+            <p:ph type="body" idx="1"/>
+          </p:nvPr>
+        </p:nvSpPr>
+        <p:spPr/>
+        <p:txBody>
+          <a:bodyPr/>
+          <a:lstStyle/>
+          <a:p>
+            <a:r>
+              <a:rPr lang="en-US" dirty="0"/>
+              <a:t>For each challenge, list out the key high-level goals.</a:t>
+            </a:r>
+          </a:p>
+          <a:p>
+            <a:r>
+              <a:rPr lang="en-US" dirty="0"/>
+              <a:t>If there are important specifications, list them here, or remind students to “read the student guide!” </a:t>
+            </a:r>
+          </a:p>
+        </p:txBody>
+      </p:sp>
+      <p:sp>
+        <p:nvSpPr>
+          <p:cNvPr id="4" name="Slide Number Placeholder 3"/>
+          <p:cNvSpPr>
+            <a:spLocks noGrp="1"/>
+          </p:cNvSpPr>
+          <p:nvPr>
+            <p:ph type="sldNum" sz="quarter" idx="10"/>
+          </p:nvPr>
+        </p:nvSpPr>
+        <p:spPr/>
+        <p:txBody>
+          <a:bodyPr/>
+          <a:lstStyle/>
+          <a:p>
+            <a:pPr marL="0" marR="0" lvl="0" indent="0" algn="r" defTabSz="914400" rtl="0" eaLnBrk="1" fontAlgn="auto" latinLnBrk="0" hangingPunct="1">
+              <a:lnSpc>
+                <a:spcPct val="100000"/>
+              </a:lnSpc>
+              <a:spcBef>
+                <a:spcPts val="0"/>
+              </a:spcBef>
+              <a:spcAft>
+                <a:spcPts val="0"/>
+              </a:spcAft>
+              <a:buClrTx/>
+              <a:buSzTx/>
+              <a:buFontTx/>
+              <a:buNone/>
+              <a:tabLst/>
+              <a:defRPr/>
+            </a:pPr>
+            <a:fld id="{871D71AE-08D6-4951-B1CF-CF97299DB5EB}" type="slidenum">
+              <a:rPr kumimoji="0" lang="en-US" sz="1200" b="0" i="0" u="none" strike="noStrike" kern="1200" cap="none" spc="0" normalizeH="0" baseline="0" noProof="0" smtClean="0">
+                <a:ln>
+                  <a:noFill/>
+                </a:ln>
+                <a:solidFill>
+                  <a:prstClr val="black"/>
+                </a:solidFill>
+                <a:effectLst/>
+                <a:uLnTx/>
+                <a:uFillTx/>
+                <a:latin typeface="Calibri" panose="020F0502020204030204"/>
+                <a:ea typeface="+mn-ea"/>
+                <a:cs typeface="+mn-cs"/>
+              </a:rPr>
+              <a:pPr marL="0" marR="0" lvl="0" indent="0" algn="r" defTabSz="914400" rtl="0" eaLnBrk="1" fontAlgn="auto" latinLnBrk="0" hangingPunct="1">
+                <a:lnSpc>
+                  <a:spcPct val="100000"/>
+                </a:lnSpc>
+                <a:spcBef>
+                  <a:spcPts val="0"/>
+                </a:spcBef>
+                <a:spcAft>
+                  <a:spcPts val="0"/>
+                </a:spcAft>
+                <a:buClrTx/>
+                <a:buSzTx/>
+                <a:buFontTx/>
+                <a:buNone/>
+                <a:tabLst/>
+                <a:defRPr/>
+              </a:pPr>
+              <a:t>13</a:t>
+            </a:fld>
+            <a:endParaRPr kumimoji="0" lang="en-US" sz="1200" b="0" i="0" u="none" strike="noStrike" kern="1200" cap="none" spc="0" normalizeH="0" baseline="0" noProof="0">
+              <a:ln>
+                <a:noFill/>
+              </a:ln>
+              <a:solidFill>
+                <a:prstClr val="black"/>
+              </a:solidFill>
+              <a:effectLst/>
+              <a:uLnTx/>
+              <a:uFillTx/>
+              <a:latin typeface="Calibri" panose="020F0502020204030204"/>
+              <a:ea typeface="+mn-ea"/>
+              <a:cs typeface="+mn-cs"/>
+            </a:endParaRPr>
+          </a:p>
+        </p:txBody>
+      </p:sp>
+    </p:spTree>
+    <p:extLst>
+      <p:ext uri="{BB962C8B-B14F-4D97-AF65-F5344CB8AC3E}">
         <p14:creationId xmlns:p14="http://schemas.microsoft.com/office/powerpoint/2010/main" val="1829794613"/>
       </p:ext>
     </p:extLst>
@@ -1456,7 +1457,7 @@
                 <a:tabLst/>
                 <a:defRPr/>
               </a:pPr>
-              <a:t>13</a:t>
+              <a:t>14</a:t>
             </a:fld>
             <a:endParaRPr kumimoji="0" lang="en-US" sz="1200" b="0" i="0" u="none" strike="noStrike" kern="1200" cap="none" spc="0" normalizeH="0" baseline="0" noProof="0" dirty="0">
               <a:ln>
@@ -1617,173 +1618,6 @@
               <a:defRPr/>
             </a:pPr>
             <a:fld id="{4C3A18DF-2E2C-4B51-B31A-8EAAD44872AA}" type="slidenum">
-              <a:rPr kumimoji="0" lang="en-US" sz="1200" b="0" i="0" u="none" strike="noStrike" kern="1200" cap="none" spc="0" normalizeH="0" baseline="0" noProof="0" smtClean="0">
-                <a:ln>
-                  <a:noFill/>
-                </a:ln>
-                <a:solidFill>
-                  <a:prstClr val="black"/>
-                </a:solidFill>
-                <a:effectLst/>
-                <a:uLnTx/>
-                <a:uFillTx/>
-                <a:latin typeface="Calibri" panose="020F0502020204030204"/>
-                <a:ea typeface="+mn-ea"/>
-                <a:cs typeface="+mn-cs"/>
-              </a:rPr>
-              <a:pPr marL="0" marR="0" lvl="0" indent="0" algn="r" defTabSz="914400" rtl="0" eaLnBrk="1" fontAlgn="auto" latinLnBrk="0" hangingPunct="1">
-                <a:lnSpc>
-                  <a:spcPct val="100000"/>
-                </a:lnSpc>
-                <a:spcBef>
-                  <a:spcPts val="0"/>
-                </a:spcBef>
-                <a:spcAft>
-                  <a:spcPts val="0"/>
-                </a:spcAft>
-                <a:buClrTx/>
-                <a:buSzTx/>
-                <a:buFontTx/>
-                <a:buNone/>
-                <a:tabLst/>
-                <a:defRPr/>
-              </a:pPr>
-              <a:t>2</a:t>
-            </a:fld>
-            <a:endParaRPr kumimoji="0" lang="en-US" sz="1200" b="0" i="0" u="none" strike="noStrike" kern="1200" cap="none" spc="0" normalizeH="0" baseline="0" noProof="0">
-              <a:ln>
-                <a:noFill/>
-              </a:ln>
-              <a:solidFill>
-                <a:prstClr val="black"/>
-              </a:solidFill>
-              <a:effectLst/>
-              <a:uLnTx/>
-              <a:uFillTx/>
-              <a:latin typeface="Calibri" panose="020F0502020204030204"/>
-              <a:ea typeface="+mn-ea"/>
-              <a:cs typeface="+mn-cs"/>
-            </a:endParaRPr>
-          </a:p>
-        </p:txBody>
-      </p:sp>
-    </p:spTree>
-    <p:extLst>
-      <p:ext uri="{BB962C8B-B14F-4D97-AF65-F5344CB8AC3E}">
-        <p14:creationId xmlns:p14="http://schemas.microsoft.com/office/powerpoint/2010/main" val="2439682645"/>
-      </p:ext>
-    </p:extLst>
-  </p:cSld>
-  <p:clrMapOvr>
-    <a:masterClrMapping/>
-  </p:clrMapOvr>
-</p:notes>
-</file>
-
-<file path=ppt/notesSlides/notesSlide3.xml><?xml version="1.0" encoding="utf-8"?>
-<p:notes xmlns:a="http://schemas.openxmlformats.org/drawingml/2006/main" xmlns:r="http://schemas.openxmlformats.org/officeDocument/2006/relationships" xmlns:p="http://schemas.openxmlformats.org/presentationml/2006/main">
-  <p:cSld>
-    <p:spTree>
-      <p:nvGrpSpPr>
-        <p:cNvPr id="1" name=""/>
-        <p:cNvGrpSpPr/>
-        <p:nvPr/>
-      </p:nvGrpSpPr>
-      <p:grpSpPr>
-        <a:xfrm>
-          <a:off x="0" y="0"/>
-          <a:ext cx="0" cy="0"/>
-          <a:chOff x="0" y="0"/>
-          <a:chExt cx="0" cy="0"/>
-        </a:xfrm>
-      </p:grpSpPr>
-      <p:sp>
-        <p:nvSpPr>
-          <p:cNvPr id="2" name="Slide Image Placeholder 1"/>
-          <p:cNvSpPr>
-            <a:spLocks noGrp="1" noRot="1" noChangeAspect="1"/>
-          </p:cNvSpPr>
-          <p:nvPr>
-            <p:ph type="sldImg"/>
-          </p:nvPr>
-        </p:nvSpPr>
-        <p:spPr/>
-      </p:sp>
-      <p:sp>
-        <p:nvSpPr>
-          <p:cNvPr id="3" name="Notes Placeholder 2"/>
-          <p:cNvSpPr>
-            <a:spLocks noGrp="1"/>
-          </p:cNvSpPr>
-          <p:nvPr>
-            <p:ph type="body" idx="1"/>
-          </p:nvPr>
-        </p:nvSpPr>
-        <p:spPr/>
-        <p:txBody>
-          <a:bodyPr/>
-          <a:lstStyle/>
-          <a:p>
-            <a:r>
-              <a:rPr lang="en-US" dirty="0"/>
-              <a:t>Modify this slide and add the pre-</a:t>
-            </a:r>
-            <a:r>
-              <a:rPr lang="en-US" dirty="0" err="1"/>
-              <a:t>reqs</a:t>
-            </a:r>
-            <a:r>
-              <a:rPr lang="en-US" dirty="0"/>
-              <a:t> specific to your hack here.</a:t>
-            </a:r>
-          </a:p>
-          <a:p>
-            <a:endParaRPr lang="en-US" dirty="0"/>
-          </a:p>
-          <a:p>
-            <a:r>
-              <a:rPr lang="en-US" dirty="0"/>
-              <a:t>Each challenge slide should list the key goals for the challenge.</a:t>
-            </a:r>
-          </a:p>
-          <a:p>
-            <a:endParaRPr lang="en-US" dirty="0"/>
-          </a:p>
-        </p:txBody>
-      </p:sp>
-      <p:sp>
-        <p:nvSpPr>
-          <p:cNvPr id="4" name="Slide Number Placeholder 3"/>
-          <p:cNvSpPr>
-            <a:spLocks noGrp="1"/>
-          </p:cNvSpPr>
-          <p:nvPr>
-            <p:ph type="sldNum" sz="quarter" idx="10"/>
-          </p:nvPr>
-        </p:nvSpPr>
-        <p:spPr/>
-        <p:txBody>
-          <a:bodyPr/>
-          <a:lstStyle/>
-          <a:p>
-            <a:pPr marL="0" marR="0" lvl="0" indent="0" algn="r" defTabSz="914400" rtl="0" eaLnBrk="1" fontAlgn="auto" latinLnBrk="0" hangingPunct="1">
-              <a:lnSpc>
-                <a:spcPct val="100000"/>
-              </a:lnSpc>
-              <a:spcBef>
-                <a:spcPts val="0"/>
-              </a:spcBef>
-              <a:spcAft>
-                <a:spcPts val="0"/>
-              </a:spcAft>
-              <a:buClrTx/>
-              <a:buSzTx/>
-              <a:buFontTx/>
-              <a:buNone/>
-              <a:tabLst/>
-              <a:defRPr/>
-            </a:pPr>
-            <a:fld id="{871D71AE-08D6-4951-B1CF-CF97299DB5EB}" type="slidenum">
               <a:rPr kumimoji="0" lang="en-US" sz="1200" b="0" i="0" u="none" strike="noStrike" kern="1200" cap="none" spc="0" normalizeH="0" baseline="0" noProof="0" smtClean="0">
                 <a:ln>
                   <a:noFill/>
@@ -1837,7 +1671,7 @@
     </p:spTree>
     <p:extLst>
       <p:ext uri="{BB962C8B-B14F-4D97-AF65-F5344CB8AC3E}">
-        <p14:creationId xmlns:p14="http://schemas.microsoft.com/office/powerpoint/2010/main" val="448403279"/>
+        <p14:creationId xmlns:p14="http://schemas.microsoft.com/office/powerpoint/2010/main" val="2439682645"/>
       </p:ext>
     </p:extLst>
   </p:cSld>
@@ -1847,7 +1681,7 @@
 </p:notes>
 </file>
 
-<file path=ppt/notesSlides/notesSlide4.xml><?xml version="1.0" encoding="utf-8"?>
+<file path=ppt/notesSlides/notesSlide3.xml><?xml version="1.0" encoding="utf-8"?>
 <p:notes xmlns:a="http://schemas.openxmlformats.org/drawingml/2006/main" xmlns:r="http://schemas.openxmlformats.org/officeDocument/2006/relationships" xmlns:p="http://schemas.openxmlformats.org/presentationml/2006/main">
   <p:cSld>
     <p:spTree>
@@ -1891,43 +1725,26 @@
           <a:bodyPr/>
           <a:lstStyle/>
           <a:p>
-            <a:pPr marL="171450" indent="-171450">
-              <a:buFont typeface="Arial" panose="020B0604020202020204" pitchFamily="34" charset="0"/>
-              <a:buChar char="•"/>
-            </a:pPr>
             <a:r>
               <a:rPr lang="en-US" dirty="0"/>
-              <a:t>For each “mini-lecture”, have a topic title and/or sub-topic title.</a:t>
-            </a:r>
-          </a:p>
-          <a:p>
-            <a:pPr marL="171450" indent="-171450">
-              <a:buFont typeface="Arial" panose="020B0604020202020204" pitchFamily="34" charset="0"/>
-              <a:buChar char="•"/>
-            </a:pPr>
+              <a:t>Modify this slide and add the pre-</a:t>
+            </a:r>
+            <a:r>
+              <a:rPr lang="en-US" dirty="0" err="1"/>
+              <a:t>reqs</a:t>
+            </a:r>
             <a:r>
               <a:rPr lang="en-US" dirty="0"/>
-              <a:t>Each mini-lecture should be no longer than 5-10 minutes in length.</a:t>
-            </a:r>
-          </a:p>
-          <a:p>
-            <a:pPr marL="171450" indent="-171450">
-              <a:buFont typeface="Arial" panose="020B0604020202020204" pitchFamily="34" charset="0"/>
-              <a:buChar char="•"/>
-            </a:pPr>
+              <a:t> specific to your hack here.</a:t>
+            </a:r>
+          </a:p>
+          <a:p>
+            <a:endParaRPr lang="en-US" dirty="0"/>
+          </a:p>
+          <a:p>
             <a:r>
               <a:rPr lang="en-US" dirty="0"/>
-              <a:t>Only deliver one lecture ahead of each challenge.  </a:t>
-            </a:r>
-          </a:p>
-          <a:p>
-            <a:pPr marL="171450" indent="-171450">
-              <a:buFont typeface="Arial" panose="020B0604020202020204" pitchFamily="34" charset="0"/>
-              <a:buChar char="•"/>
-            </a:pPr>
-            <a:r>
-              <a:rPr lang="en-US" dirty="0"/>
-              <a:t>Do not attempt to present all of the lectures before students start hacking.</a:t>
+              <a:t>Each challenge slide should list the key goals for the challenge.</a:t>
             </a:r>
           </a:p>
           <a:p>
@@ -1967,7 +1784,7 @@
               <a:tabLst/>
               <a:defRPr/>
             </a:pPr>
-            <a:fld id="{315375D1-61FB-3243-8074-59CD809395A7}" type="slidenum">
+            <a:fld id="{871D71AE-08D6-4951-B1CF-CF97299DB5EB}" type="slidenum">
               <a:rPr kumimoji="0" lang="en-US" sz="1200" b="0" i="0" u="none" strike="noStrike" kern="1200" cap="none" spc="0" normalizeH="0" baseline="0" noProof="0" smtClean="0">
                 <a:ln>
                   <a:noFill/>
@@ -2021,7 +1838,7 @@
     </p:spTree>
     <p:extLst>
       <p:ext uri="{BB962C8B-B14F-4D97-AF65-F5344CB8AC3E}">
-        <p14:creationId xmlns:p14="http://schemas.microsoft.com/office/powerpoint/2010/main" val="2235409605"/>
+        <p14:creationId xmlns:p14="http://schemas.microsoft.com/office/powerpoint/2010/main" val="448403279"/>
       </p:ext>
     </p:extLst>
   </p:cSld>
@@ -2031,7 +1848,7 @@
 </p:notes>
 </file>
 
-<file path=ppt/notesSlides/notesSlide5.xml><?xml version="1.0" encoding="utf-8"?>
+<file path=ppt/notesSlides/notesSlide4.xml><?xml version="1.0" encoding="utf-8"?>
 <p:notes xmlns:a="http://schemas.openxmlformats.org/drawingml/2006/main" xmlns:r="http://schemas.openxmlformats.org/officeDocument/2006/relationships" xmlns:p="http://schemas.openxmlformats.org/presentationml/2006/main">
   <p:cSld>
     <p:spTree>
@@ -2075,41 +1892,48 @@
           <a:bodyPr/>
           <a:lstStyle/>
           <a:p>
+            <a:pPr marL="171450" indent="-171450">
+              <a:buFont typeface="Arial" panose="020B0604020202020204" pitchFamily="34" charset="0"/>
+              <a:buChar char="•"/>
+            </a:pPr>
             <a:r>
               <a:rPr lang="en-US" dirty="0"/>
-              <a:t>Template for a lecture slide with bullets (if you need them).</a:t>
+              <a:t>For each “mini-lecture”, have a topic title and/or sub-topic title.</a:t>
+            </a:r>
+          </a:p>
+          <a:p>
+            <a:pPr marL="171450" indent="-171450">
+              <a:buFont typeface="Arial" panose="020B0604020202020204" pitchFamily="34" charset="0"/>
+              <a:buChar char="•"/>
+            </a:pPr>
+            <a:r>
+              <a:rPr lang="en-US" dirty="0"/>
+              <a:t>Each mini-lecture should be no longer than 5-10 minutes in length.</a:t>
+            </a:r>
+          </a:p>
+          <a:p>
+            <a:pPr marL="171450" indent="-171450">
+              <a:buFont typeface="Arial" panose="020B0604020202020204" pitchFamily="34" charset="0"/>
+              <a:buChar char="•"/>
+            </a:pPr>
+            <a:r>
+              <a:rPr lang="en-US" dirty="0"/>
+              <a:t>Only deliver one lecture ahead of each challenge.  </a:t>
+            </a:r>
+          </a:p>
+          <a:p>
+            <a:pPr marL="171450" indent="-171450">
+              <a:buFont typeface="Arial" panose="020B0604020202020204" pitchFamily="34" charset="0"/>
+              <a:buChar char="•"/>
+            </a:pPr>
+            <a:r>
+              <a:rPr lang="en-US" dirty="0"/>
+              <a:t>Do not attempt to present all of the lectures before students start hacking.</a:t>
             </a:r>
           </a:p>
           <a:p>
             <a:endParaRPr lang="en-US" dirty="0"/>
           </a:p>
-          <a:p>
-            <a:r>
-              <a:rPr lang="en-US" dirty="0"/>
-              <a:t>Try to NOT use bullet lists in your presentation.  </a:t>
-            </a:r>
-          </a:p>
-          <a:p>
-            <a:r>
-              <a:rPr lang="en-US" dirty="0"/>
-              <a:t>Diagrams, puppy pictures, </a:t>
-            </a:r>
-            <a:r>
-              <a:rPr lang="en-US" dirty="0" err="1"/>
-              <a:t>etc</a:t>
-            </a:r>
-            <a:r>
-              <a:rPr lang="en-US" dirty="0"/>
-              <a:t> are always better. </a:t>
-            </a:r>
-            <a:r>
-              <a:rPr lang="en-US" dirty="0">
-                <a:sym typeface="Wingdings" panose="05000000000000000000" pitchFamily="2" charset="2"/>
-              </a:rPr>
-              <a:t></a:t>
-            </a:r>
-            <a:endParaRPr lang="en-US" dirty="0"/>
-          </a:p>
         </p:txBody>
       </p:sp>
       <p:sp>
@@ -2119,7 +1943,7 @@
             <a:spLocks noGrp="1"/>
           </p:cNvSpPr>
           <p:nvPr>
-            <p:ph type="sldNum" sz="quarter" idx="5"/>
+            <p:ph type="sldNum" sz="quarter" idx="10"/>
           </p:nvPr>
         </p:nvSpPr>
         <p:spPr/>
@@ -2144,7 +1968,7 @@
               <a:tabLst/>
               <a:defRPr/>
             </a:pPr>
-            <a:fld id="{72A19410-49C3-46C5-A633-999FD8C4418C}" type="slidenum">
+            <a:fld id="{315375D1-61FB-3243-8074-59CD809395A7}" type="slidenum">
               <a:rPr kumimoji="0" lang="en-US" sz="1200" b="0" i="0" u="none" strike="noStrike" kern="1200" cap="none" spc="0" normalizeH="0" baseline="0" noProof="0" smtClean="0">
                 <a:ln>
                   <a:noFill/>
@@ -2198,7 +2022,7 @@
     </p:spTree>
     <p:extLst>
       <p:ext uri="{BB962C8B-B14F-4D97-AF65-F5344CB8AC3E}">
-        <p14:creationId xmlns:p14="http://schemas.microsoft.com/office/powerpoint/2010/main" val="1249804079"/>
+        <p14:creationId xmlns:p14="http://schemas.microsoft.com/office/powerpoint/2010/main" val="2235409605"/>
       </p:ext>
     </p:extLst>
   </p:cSld>
@@ -2208,7 +2032,7 @@
 </p:notes>
 </file>
 
-<file path=ppt/notesSlides/notesSlide6.xml><?xml version="1.0" encoding="utf-8"?>
+<file path=ppt/notesSlides/notesSlide5.xml><?xml version="1.0" encoding="utf-8"?>
 <p:notes xmlns:a="http://schemas.openxmlformats.org/drawingml/2006/main" xmlns:r="http://schemas.openxmlformats.org/officeDocument/2006/relationships" xmlns:p="http://schemas.openxmlformats.org/presentationml/2006/main">
   <p:cSld>
     <p:spTree>
@@ -2254,14 +2078,38 @@
           <a:p>
             <a:r>
               <a:rPr lang="en-US" dirty="0"/>
-              <a:t>For each challenge, list out the key high-level goals.</a:t>
-            </a:r>
+              <a:t>Template for a lecture slide with bullets (if you need them).</a:t>
+            </a:r>
+          </a:p>
+          <a:p>
+            <a:endParaRPr lang="en-US" dirty="0"/>
           </a:p>
           <a:p>
             <a:r>
               <a:rPr lang="en-US" dirty="0"/>
-              <a:t>If there are important specifications, list them here, or remind students to “read the student guide!” </a:t>
-            </a:r>
+              <a:t>Try to NOT use bullet lists in your presentation.  </a:t>
+            </a:r>
+          </a:p>
+          <a:p>
+            <a:r>
+              <a:rPr lang="en-US" dirty="0"/>
+              <a:t>Diagrams, puppy pictures, </a:t>
+            </a:r>
+            <a:r>
+              <a:rPr lang="en-US" dirty="0" err="1"/>
+              <a:t>etc</a:t>
+            </a:r>
+            <a:r>
+              <a:rPr lang="en-US" dirty="0"/>
+              <a:t> are always better. </a:t>
+            </a:r>
+            <a:r>
+              <a:rPr lang="en-US" dirty="0">
+                <a:sym typeface="Wingdings" panose="05000000000000000000" pitchFamily="2" charset="2"/>
+              </a:rPr>
+              <a:t></a:t>
+            </a:r>
+            <a:endParaRPr lang="en-US" dirty="0"/>
           </a:p>
         </p:txBody>
       </p:sp>
@@ -2272,7 +2120,7 @@
             <a:spLocks noGrp="1"/>
           </p:cNvSpPr>
           <p:nvPr>
-            <p:ph type="sldNum" sz="quarter" idx="10"/>
+            <p:ph type="sldNum" sz="quarter" idx="5"/>
           </p:nvPr>
         </p:nvSpPr>
         <p:spPr/>
@@ -2297,7 +2145,7 @@
               <a:tabLst/>
               <a:defRPr/>
             </a:pPr>
-            <a:fld id="{871D71AE-08D6-4951-B1CF-CF97299DB5EB}" type="slidenum">
+            <a:fld id="{72A19410-49C3-46C5-A633-999FD8C4418C}" type="slidenum">
               <a:rPr kumimoji="0" lang="en-US" sz="1200" b="0" i="0" u="none" strike="noStrike" kern="1200" cap="none" spc="0" normalizeH="0" baseline="0" noProof="0" smtClean="0">
                 <a:ln>
                   <a:noFill/>
@@ -2351,7 +2199,7 @@
     </p:spTree>
     <p:extLst>
       <p:ext uri="{BB962C8B-B14F-4D97-AF65-F5344CB8AC3E}">
-        <p14:creationId xmlns:p14="http://schemas.microsoft.com/office/powerpoint/2010/main" val="76796664"/>
+        <p14:creationId xmlns:p14="http://schemas.microsoft.com/office/powerpoint/2010/main" val="1249804079"/>
       </p:ext>
     </p:extLst>
   </p:cSld>
@@ -2361,7 +2209,7 @@
 </p:notes>
 </file>
 
-<file path=ppt/notesSlides/notesSlide7.xml><?xml version="1.0" encoding="utf-8"?>
+<file path=ppt/notesSlides/notesSlide6.xml><?xml version="1.0" encoding="utf-8"?>
 <p:notes xmlns:a="http://schemas.openxmlformats.org/drawingml/2006/main" xmlns:r="http://schemas.openxmlformats.org/officeDocument/2006/relationships" xmlns:p="http://schemas.openxmlformats.org/presentationml/2006/main">
   <p:cSld>
     <p:spTree>
@@ -2405,47 +2253,16 @@
           <a:bodyPr/>
           <a:lstStyle/>
           <a:p>
-            <a:pPr marL="171450" indent="-171450">
-              <a:buFont typeface="Arial" panose="020B0604020202020204" pitchFamily="34" charset="0"/>
-              <a:buChar char="•"/>
-            </a:pPr>
             <a:r>
               <a:rPr lang="en-US" dirty="0"/>
-              <a:t>For each “mini-lecture”, have a topic title and/or sub-topic title.</a:t>
-            </a:r>
-          </a:p>
-          <a:p>
-            <a:pPr marL="171450" indent="-171450">
-              <a:buFont typeface="Arial" panose="020B0604020202020204" pitchFamily="34" charset="0"/>
-              <a:buChar char="•"/>
-            </a:pPr>
+              <a:t>For each challenge, list out the key high-level goals.</a:t>
+            </a:r>
+          </a:p>
+          <a:p>
             <a:r>
               <a:rPr lang="en-US" dirty="0"/>
-              <a:t>Each mini-lecture should be no longer than 5-10 minutes in length.</a:t>
-            </a:r>
-          </a:p>
-          <a:p>
-            <a:pPr marL="171450" indent="-171450">
-              <a:buFont typeface="Arial" panose="020B0604020202020204" pitchFamily="34" charset="0"/>
-              <a:buChar char="•"/>
-            </a:pPr>
-            <a:r>
-              <a:rPr lang="en-US" dirty="0"/>
-              <a:t>Only deliver one lecture ahead of each challenge.  </a:t>
-            </a:r>
-          </a:p>
-          <a:p>
-            <a:pPr marL="171450" indent="-171450">
-              <a:buFont typeface="Arial" panose="020B0604020202020204" pitchFamily="34" charset="0"/>
-              <a:buChar char="•"/>
-            </a:pPr>
-            <a:r>
-              <a:rPr lang="en-US" dirty="0"/>
-              <a:t>Do not attempt to present all of the lectures before students start hacking.</a:t>
-            </a:r>
-          </a:p>
-          <a:p>
-            <a:endParaRPr lang="en-US" dirty="0"/>
+              <a:t>If there are important specifications, list them here, or remind students to “read the student guide!” </a:t>
+            </a:r>
           </a:p>
         </p:txBody>
       </p:sp>
@@ -2481,7 +2298,7 @@
               <a:tabLst/>
               <a:defRPr/>
             </a:pPr>
-            <a:fld id="{315375D1-61FB-3243-8074-59CD809395A7}" type="slidenum">
+            <a:fld id="{871D71AE-08D6-4951-B1CF-CF97299DB5EB}" type="slidenum">
               <a:rPr kumimoji="0" lang="en-US" sz="1200" b="0" i="0" u="none" strike="noStrike" kern="1200" cap="none" spc="0" normalizeH="0" baseline="0" noProof="0" smtClean="0">
                 <a:ln>
                   <a:noFill/>
@@ -2535,7 +2352,7 @@
     </p:spTree>
     <p:extLst>
       <p:ext uri="{BB962C8B-B14F-4D97-AF65-F5344CB8AC3E}">
-        <p14:creationId xmlns:p14="http://schemas.microsoft.com/office/powerpoint/2010/main" val="3691617920"/>
+        <p14:creationId xmlns:p14="http://schemas.microsoft.com/office/powerpoint/2010/main" val="76796664"/>
       </p:ext>
     </p:extLst>
   </p:cSld>
@@ -2545,7 +2362,7 @@
 </p:notes>
 </file>
 
-<file path=ppt/notesSlides/notesSlide8.xml><?xml version="1.0" encoding="utf-8"?>
+<file path=ppt/notesSlides/notesSlide7.xml><?xml version="1.0" encoding="utf-8"?>
 <p:notes xmlns:a="http://schemas.openxmlformats.org/drawingml/2006/main" xmlns:r="http://schemas.openxmlformats.org/officeDocument/2006/relationships" xmlns:p="http://schemas.openxmlformats.org/presentationml/2006/main">
   <p:cSld>
     <p:spTree>
@@ -2589,41 +2406,48 @@
           <a:bodyPr/>
           <a:lstStyle/>
           <a:p>
+            <a:pPr marL="171450" indent="-171450">
+              <a:buFont typeface="Arial" panose="020B0604020202020204" pitchFamily="34" charset="0"/>
+              <a:buChar char="•"/>
+            </a:pPr>
             <a:r>
               <a:rPr lang="en-US" dirty="0"/>
-              <a:t>Template for a lecture slide with bullets (if you need them).</a:t>
+              <a:t>For each “mini-lecture”, have a topic title and/or sub-topic title.</a:t>
+            </a:r>
+          </a:p>
+          <a:p>
+            <a:pPr marL="171450" indent="-171450">
+              <a:buFont typeface="Arial" panose="020B0604020202020204" pitchFamily="34" charset="0"/>
+              <a:buChar char="•"/>
+            </a:pPr>
+            <a:r>
+              <a:rPr lang="en-US" dirty="0"/>
+              <a:t>Each mini-lecture should be no longer than 5-10 minutes in length.</a:t>
+            </a:r>
+          </a:p>
+          <a:p>
+            <a:pPr marL="171450" indent="-171450">
+              <a:buFont typeface="Arial" panose="020B0604020202020204" pitchFamily="34" charset="0"/>
+              <a:buChar char="•"/>
+            </a:pPr>
+            <a:r>
+              <a:rPr lang="en-US" dirty="0"/>
+              <a:t>Only deliver one lecture ahead of each challenge.  </a:t>
+            </a:r>
+          </a:p>
+          <a:p>
+            <a:pPr marL="171450" indent="-171450">
+              <a:buFont typeface="Arial" panose="020B0604020202020204" pitchFamily="34" charset="0"/>
+              <a:buChar char="•"/>
+            </a:pPr>
+            <a:r>
+              <a:rPr lang="en-US" dirty="0"/>
+              <a:t>Do not attempt to present all of the lectures before students start hacking.</a:t>
             </a:r>
           </a:p>
           <a:p>
             <a:endParaRPr lang="en-US" dirty="0"/>
           </a:p>
-          <a:p>
-            <a:r>
-              <a:rPr lang="en-US" dirty="0"/>
-              <a:t>Try to NOT use bullet lists in your presentation.  </a:t>
-            </a:r>
-          </a:p>
-          <a:p>
-            <a:r>
-              <a:rPr lang="en-US" dirty="0"/>
-              <a:t>Diagrams, puppy pictures, </a:t>
-            </a:r>
-            <a:r>
-              <a:rPr lang="en-US" dirty="0" err="1"/>
-              <a:t>etc</a:t>
-            </a:r>
-            <a:r>
-              <a:rPr lang="en-US" dirty="0"/>
-              <a:t> are always better. </a:t>
-            </a:r>
-            <a:r>
-              <a:rPr lang="en-US" dirty="0">
-                <a:sym typeface="Wingdings" panose="05000000000000000000" pitchFamily="2" charset="2"/>
-              </a:rPr>
-              <a:t></a:t>
-            </a:r>
-            <a:endParaRPr lang="en-US" dirty="0"/>
-          </a:p>
         </p:txBody>
       </p:sp>
       <p:sp>
@@ -2633,7 +2457,7 @@
             <a:spLocks noGrp="1"/>
           </p:cNvSpPr>
           <p:nvPr>
-            <p:ph type="sldNum" sz="quarter" idx="5"/>
+            <p:ph type="sldNum" sz="quarter" idx="10"/>
           </p:nvPr>
         </p:nvSpPr>
         <p:spPr/>
@@ -2658,7 +2482,7 @@
               <a:tabLst/>
               <a:defRPr/>
             </a:pPr>
-            <a:fld id="{72A19410-49C3-46C5-A633-999FD8C4418C}" type="slidenum">
+            <a:fld id="{315375D1-61FB-3243-8074-59CD809395A7}" type="slidenum">
               <a:rPr kumimoji="0" lang="en-US" sz="1200" b="0" i="0" u="none" strike="noStrike" kern="1200" cap="none" spc="0" normalizeH="0" baseline="0" noProof="0" smtClean="0">
                 <a:ln>
                   <a:noFill/>
@@ -2712,6 +2536,183 @@
     </p:spTree>
     <p:extLst>
       <p:ext uri="{BB962C8B-B14F-4D97-AF65-F5344CB8AC3E}">
+        <p14:creationId xmlns:p14="http://schemas.microsoft.com/office/powerpoint/2010/main" val="3691617920"/>
+      </p:ext>
+    </p:extLst>
+  </p:cSld>
+  <p:clrMapOvr>
+    <a:masterClrMapping/>
+  </p:clrMapOvr>
+</p:notes>
+</file>
+
+<file path=ppt/notesSlides/notesSlide8.xml><?xml version="1.0" encoding="utf-8"?>
+<p:notes xmlns:a="http://schemas.openxmlformats.org/drawingml/2006/main" xmlns:r="http://schemas.openxmlformats.org/officeDocument/2006/relationships" xmlns:p="http://schemas.openxmlformats.org/presentationml/2006/main">
+  <p:cSld>
+    <p:spTree>
+      <p:nvGrpSpPr>
+        <p:cNvPr id="1" name=""/>
+        <p:cNvGrpSpPr/>
+        <p:nvPr/>
+      </p:nvGrpSpPr>
+      <p:grpSpPr>
+        <a:xfrm>
+          <a:off x="0" y="0"/>
+          <a:ext cx="0" cy="0"/>
+          <a:chOff x="0" y="0"/>
+          <a:chExt cx="0" cy="0"/>
+        </a:xfrm>
+      </p:grpSpPr>
+      <p:sp>
+        <p:nvSpPr>
+          <p:cNvPr id="2" name="Slide Image Placeholder 1"/>
+          <p:cNvSpPr>
+            <a:spLocks noGrp="1" noRot="1" noChangeAspect="1"/>
+          </p:cNvSpPr>
+          <p:nvPr>
+            <p:ph type="sldImg"/>
+          </p:nvPr>
+        </p:nvSpPr>
+        <p:spPr/>
+      </p:sp>
+      <p:sp>
+        <p:nvSpPr>
+          <p:cNvPr id="3" name="Notes Placeholder 2"/>
+          <p:cNvSpPr>
+            <a:spLocks noGrp="1"/>
+          </p:cNvSpPr>
+          <p:nvPr>
+            <p:ph type="body" idx="1"/>
+          </p:nvPr>
+        </p:nvSpPr>
+        <p:spPr/>
+        <p:txBody>
+          <a:bodyPr/>
+          <a:lstStyle/>
+          <a:p>
+            <a:r>
+              <a:rPr lang="en-US" dirty="0"/>
+              <a:t>Template for a lecture slide with bullets (if you need them).</a:t>
+            </a:r>
+          </a:p>
+          <a:p>
+            <a:endParaRPr lang="en-US" dirty="0"/>
+          </a:p>
+          <a:p>
+            <a:r>
+              <a:rPr lang="en-US" dirty="0"/>
+              <a:t>Try to NOT use bullet lists in your presentation.  </a:t>
+            </a:r>
+          </a:p>
+          <a:p>
+            <a:r>
+              <a:rPr lang="en-US" dirty="0"/>
+              <a:t>Diagrams, puppy pictures, </a:t>
+            </a:r>
+            <a:r>
+              <a:rPr lang="en-US" dirty="0" err="1"/>
+              <a:t>etc</a:t>
+            </a:r>
+            <a:r>
+              <a:rPr lang="en-US" dirty="0"/>
+              <a:t> are always better. </a:t>
+            </a:r>
+            <a:r>
+              <a:rPr lang="en-US" dirty="0">
+                <a:sym typeface="Wingdings" panose="05000000000000000000" pitchFamily="2" charset="2"/>
+              </a:rPr>
+              <a:t></a:t>
+            </a:r>
+            <a:endParaRPr lang="en-US" dirty="0"/>
+          </a:p>
+        </p:txBody>
+      </p:sp>
+      <p:sp>
+        <p:nvSpPr>
+          <p:cNvPr id="4" name="Slide Number Placeholder 3"/>
+          <p:cNvSpPr>
+            <a:spLocks noGrp="1"/>
+          </p:cNvSpPr>
+          <p:nvPr>
+            <p:ph type="sldNum" sz="quarter" idx="5"/>
+          </p:nvPr>
+        </p:nvSpPr>
+        <p:spPr/>
+        <p:txBody>
+          <a:bodyPr/>
+          <a:lstStyle/>
+          <a:p>
+            <a:pPr marL="0" marR="0" lvl="0" indent="0" algn="r" defTabSz="914400" rtl="0" eaLnBrk="1" fontAlgn="auto" latinLnBrk="0" hangingPunct="1">
+              <a:lnSpc>
+                <a:spcPct val="100000"/>
+              </a:lnSpc>
+              <a:spcBef>
+                <a:spcPts val="0"/>
+              </a:spcBef>
+              <a:spcAft>
+                <a:spcPts val="0"/>
+              </a:spcAft>
+              <a:buClrTx/>
+              <a:buSzTx/>
+              <a:buFontTx/>
+              <a:buNone/>
+              <a:tabLst/>
+              <a:defRPr/>
+            </a:pPr>
+            <a:fld id="{72A19410-49C3-46C5-A633-999FD8C4418C}" type="slidenum">
+              <a:rPr kumimoji="0" lang="en-US" sz="1200" b="0" i="0" u="none" strike="noStrike" kern="1200" cap="none" spc="0" normalizeH="0" baseline="0" noProof="0" smtClean="0">
+                <a:ln>
+                  <a:noFill/>
+                </a:ln>
+                <a:solidFill>
+                  <a:prstClr val="black"/>
+                </a:solidFill>
+                <a:effectLst/>
+                <a:uLnTx/>
+                <a:uFillTx/>
+                <a:latin typeface="Calibri" panose="020F0502020204030204"/>
+                <a:ea typeface="+mn-ea"/>
+                <a:cs typeface="+mn-cs"/>
+              </a:rPr>
+              <a:pPr marL="0" marR="0" lvl="0" indent="0" algn="r" defTabSz="914400" rtl="0" eaLnBrk="1" fontAlgn="auto" latinLnBrk="0" hangingPunct="1">
+                <a:lnSpc>
+                  <a:spcPct val="100000"/>
+                </a:lnSpc>
+                <a:spcBef>
+                  <a:spcPts val="0"/>
+                </a:spcBef>
+                <a:spcAft>
+                  <a:spcPts val="0"/>
+                </a:spcAft>
+                <a:buClrTx/>
+                <a:buSzTx/>
+                <a:buFontTx/>
+                <a:buNone/>
+                <a:tabLst/>
+                <a:defRPr/>
+              </a:pPr>
+              <a:t>9</a:t>
+            </a:fld>
+            <a:endParaRPr kumimoji="0" lang="en-US" sz="1200" b="0" i="0" u="none" strike="noStrike" kern="1200" cap="none" spc="0" normalizeH="0" baseline="0" noProof="0">
+              <a:ln>
+                <a:noFill/>
+              </a:ln>
+              <a:solidFill>
+                <a:prstClr val="black"/>
+              </a:solidFill>
+              <a:effectLst/>
+              <a:uLnTx/>
+              <a:uFillTx/>
+              <a:latin typeface="Calibri" panose="020F0502020204030204"/>
+              <a:ea typeface="+mn-ea"/>
+              <a:cs typeface="+mn-cs"/>
+            </a:endParaRPr>
+          </a:p>
+        </p:txBody>
+      </p:sp>
+    </p:spTree>
+    <p:extLst>
+      <p:ext uri="{BB962C8B-B14F-4D97-AF65-F5344CB8AC3E}">
         <p14:creationId xmlns:p14="http://schemas.microsoft.com/office/powerpoint/2010/main" val="314071106"/>
       </p:ext>
     </p:extLst>
@@ -2843,7 +2844,7 @@
                 <a:tabLst/>
                 <a:defRPr/>
               </a:pPr>
-              <a:t>9</a:t>
+              <a:t>10</a:t>
             </a:fld>
             <a:endParaRPr kumimoji="0" lang="en-US" sz="1200" b="0" i="0" u="none" strike="noStrike" kern="1200" cap="none" spc="0" normalizeH="0" baseline="0" noProof="0">
               <a:ln>
@@ -3022,7 +3023,7 @@
           <a:p>
             <a:fld id="{DFED49D2-CC62-47A6-8FD4-1840AC422660}" type="datetimeFigureOut">
               <a:rPr lang="en-US" smtClean="0"/>
-              <a:t>5/7/2022</a:t>
+              <a:t>3/14/2023</a:t>
             </a:fld>
             <a:endParaRPr lang="en-US"/>
           </a:p>
@@ -3220,7 +3221,7 @@
           <a:p>
             <a:fld id="{DFED49D2-CC62-47A6-8FD4-1840AC422660}" type="datetimeFigureOut">
               <a:rPr lang="en-US" smtClean="0"/>
-              <a:t>5/7/2022</a:t>
+              <a:t>3/14/2023</a:t>
             </a:fld>
             <a:endParaRPr lang="en-US"/>
           </a:p>
@@ -3428,7 +3429,7 @@
           <a:p>
             <a:fld id="{DFED49D2-CC62-47A6-8FD4-1840AC422660}" type="datetimeFigureOut">
               <a:rPr lang="en-US" smtClean="0"/>
-              <a:t>5/7/2022</a:t>
+              <a:t>3/14/2023</a:t>
             </a:fld>
             <a:endParaRPr lang="en-US"/>
           </a:p>
@@ -3856,6 +3857,454 @@
 </p:sldLayout>
 </file>
 
+<file path=ppt/slideLayouts/slideLayout15.xml><?xml version="1.0" encoding="utf-8"?>
+<p:sldLayout xmlns:a="http://schemas.openxmlformats.org/drawingml/2006/main" xmlns:r="http://schemas.openxmlformats.org/officeDocument/2006/relationships" xmlns:p="http://schemas.openxmlformats.org/presentationml/2006/main" userDrawn="1">
+  <p:cSld name="Cover slide">
+    <p:spTree>
+      <p:nvGrpSpPr>
+        <p:cNvPr id="1" name=""/>
+        <p:cNvGrpSpPr/>
+        <p:nvPr/>
+      </p:nvGrpSpPr>
+      <p:grpSpPr>
+        <a:xfrm>
+          <a:off x="0" y="0"/>
+          <a:ext cx="0" cy="0"/>
+          <a:chOff x="0" y="0"/>
+          <a:chExt cx="0" cy="0"/>
+        </a:xfrm>
+      </p:grpSpPr>
+      <p:pic>
+        <p:nvPicPr>
+          <p:cNvPr id="15" name="Picture 14" descr="Background pattern&#10;&#10;Description automatically generated">
+            <a:extLst>
+              <a:ext uri="{FF2B5EF4-FFF2-40B4-BE49-F238E27FC236}">
+                <a16:creationId xmlns:a16="http://schemas.microsoft.com/office/drawing/2014/main" id="{55EED6E1-9768-7EAB-7FA4-99FE99AC6322}"/>
+              </a:ext>
+            </a:extLst>
+          </p:cNvPr>
+          <p:cNvPicPr>
+            <a:picLocks noChangeAspect="1"/>
+          </p:cNvPicPr>
+          <p:nvPr userDrawn="1"/>
+        </p:nvPicPr>
+        <p:blipFill rotWithShape="1">
+          <a:blip r:embed="rId2"/>
+          <a:srcRect l="442" t="223" b="840"/>
+          <a:stretch/>
+        </p:blipFill>
+        <p:spPr>
+          <a:xfrm>
+            <a:off x="0" y="-15554"/>
+            <a:ext cx="12324488" cy="6889108"/>
+          </a:xfrm>
+          <a:prstGeom prst="rect">
+            <a:avLst/>
+          </a:prstGeom>
+        </p:spPr>
+      </p:pic>
+      <p:pic>
+        <p:nvPicPr>
+          <p:cNvPr id="10" name="Picture 9" descr="Shape&#10;&#10;Description automatically generated with low confidence">
+            <a:extLst>
+              <a:ext uri="{FF2B5EF4-FFF2-40B4-BE49-F238E27FC236}">
+                <a16:creationId xmlns:a16="http://schemas.microsoft.com/office/drawing/2014/main" id="{9939F6EF-BF6E-8DFA-F4C8-335C177420AF}"/>
+              </a:ext>
+            </a:extLst>
+          </p:cNvPr>
+          <p:cNvPicPr>
+            <a:picLocks noChangeAspect="1"/>
+          </p:cNvPicPr>
+          <p:nvPr userDrawn="1"/>
+        </p:nvPicPr>
+        <p:blipFill rotWithShape="1">
+          <a:blip r:embed="rId3"/>
+          <a:srcRect t="2795" b="2885"/>
+          <a:stretch/>
+        </p:blipFill>
+        <p:spPr>
+          <a:xfrm>
+            <a:off x="0" y="-15554"/>
+            <a:ext cx="12192000" cy="6468504"/>
+          </a:xfrm>
+          <a:prstGeom prst="rect">
+            <a:avLst/>
+          </a:prstGeom>
+        </p:spPr>
+      </p:pic>
+      <p:pic>
+        <p:nvPicPr>
+          <p:cNvPr id="12" name="Picture 11" descr="Shape&#10;&#10;Description automatically generated">
+            <a:extLst>
+              <a:ext uri="{FF2B5EF4-FFF2-40B4-BE49-F238E27FC236}">
+                <a16:creationId xmlns:a16="http://schemas.microsoft.com/office/drawing/2014/main" id="{B9B14AA4-45F6-0870-6DCC-1C030977E7AF}"/>
+              </a:ext>
+            </a:extLst>
+          </p:cNvPr>
+          <p:cNvPicPr>
+            <a:picLocks noChangeAspect="1"/>
+          </p:cNvPicPr>
+          <p:nvPr userDrawn="1"/>
+        </p:nvPicPr>
+        <p:blipFill>
+          <a:blip r:embed="rId4"/>
+          <a:stretch>
+            <a:fillRect/>
+          </a:stretch>
+        </p:blipFill>
+        <p:spPr>
+          <a:xfrm>
+            <a:off x="132488" y="15554"/>
+            <a:ext cx="12192000" cy="6858000"/>
+          </a:xfrm>
+          <a:prstGeom prst="rect">
+            <a:avLst/>
+          </a:prstGeom>
+        </p:spPr>
+      </p:pic>
+      <p:sp>
+        <p:nvSpPr>
+          <p:cNvPr id="2" name="Title 1">
+            <a:extLst>
+              <a:ext uri="{FF2B5EF4-FFF2-40B4-BE49-F238E27FC236}">
+                <a16:creationId xmlns:a16="http://schemas.microsoft.com/office/drawing/2014/main" id="{896CB1B4-3C0C-3E4E-94F1-AC47228A691F}"/>
+              </a:ext>
+            </a:extLst>
+          </p:cNvPr>
+          <p:cNvSpPr>
+            <a:spLocks noGrp="1"/>
+          </p:cNvSpPr>
+          <p:nvPr>
+            <p:ph type="ctrTitle" hasCustomPrompt="1"/>
+          </p:nvPr>
+        </p:nvSpPr>
+        <p:spPr>
+          <a:xfrm>
+            <a:off x="438520" y="2703532"/>
+            <a:ext cx="10406958" cy="923330"/>
+          </a:xfrm>
+        </p:spPr>
+        <p:txBody>
+          <a:bodyPr wrap="square" tIns="0" bIns="0" anchor="b">
+            <a:spAutoFit/>
+          </a:bodyPr>
+          <a:lstStyle>
+            <a:lvl1pPr marL="0" marR="0" indent="0" algn="l" defTabSz="914400" rtl="0" eaLnBrk="1" fontAlgn="auto" latinLnBrk="0" hangingPunct="1">
+              <a:lnSpc>
+                <a:spcPct val="100000"/>
+              </a:lnSpc>
+              <a:spcBef>
+                <a:spcPct val="0"/>
+              </a:spcBef>
+              <a:spcAft>
+                <a:spcPts val="0"/>
+              </a:spcAft>
+              <a:buClrTx/>
+              <a:buSzTx/>
+              <a:buFontTx/>
+              <a:buNone/>
+              <a:tabLst/>
+              <a:defRPr sz="6000">
+                <a:solidFill>
+                  <a:schemeClr val="bg1"/>
+                </a:solidFill>
+              </a:defRPr>
+            </a:lvl1pPr>
+          </a:lstStyle>
+          <a:p>
+            <a:r>
+              <a:rPr lang="en-US"/>
+              <a:t>Presentation title</a:t>
+            </a:r>
+          </a:p>
+        </p:txBody>
+      </p:sp>
+      <p:sp>
+        <p:nvSpPr>
+          <p:cNvPr id="4" name="Date Placeholder 3">
+            <a:extLst>
+              <a:ext uri="{FF2B5EF4-FFF2-40B4-BE49-F238E27FC236}">
+                <a16:creationId xmlns:a16="http://schemas.microsoft.com/office/drawing/2014/main" id="{615BFF97-F472-4E44-AA8E-88A749291CDF}"/>
+              </a:ext>
+            </a:extLst>
+          </p:cNvPr>
+          <p:cNvSpPr>
+            <a:spLocks noGrp="1"/>
+          </p:cNvSpPr>
+          <p:nvPr>
+            <p:ph type="dt" sz="half" idx="10"/>
+          </p:nvPr>
+        </p:nvSpPr>
+        <p:spPr>
+          <a:xfrm flipH="1">
+            <a:off x="-1" y="6858000"/>
+            <a:ext cx="0" cy="0"/>
+          </a:xfrm>
+          <a:prstGeom prst="rect">
+            <a:avLst/>
+          </a:prstGeom>
+        </p:spPr>
+        <p:txBody>
+          <a:bodyPr/>
+          <a:lstStyle>
+            <a:lvl1pPr>
+              <a:defRPr b="0" i="0">
+                <a:latin typeface="Bernina Sans Offc" panose="02000000000000000000" pitchFamily="2" charset="77"/>
+              </a:defRPr>
+            </a:lvl1pPr>
+          </a:lstStyle>
+          <a:p>
+            <a:endParaRPr lang="en-US"/>
+          </a:p>
+        </p:txBody>
+      </p:sp>
+      <p:sp>
+        <p:nvSpPr>
+          <p:cNvPr id="17" name="Subtitle 2">
+            <a:extLst>
+              <a:ext uri="{FF2B5EF4-FFF2-40B4-BE49-F238E27FC236}">
+                <a16:creationId xmlns:a16="http://schemas.microsoft.com/office/drawing/2014/main" id="{9830F320-FB25-5A0B-A514-6AF718D41D28}"/>
+              </a:ext>
+            </a:extLst>
+          </p:cNvPr>
+          <p:cNvSpPr>
+            <a:spLocks noGrp="1"/>
+          </p:cNvSpPr>
+          <p:nvPr>
+            <p:ph type="subTitle" idx="1" hasCustomPrompt="1"/>
+          </p:nvPr>
+        </p:nvSpPr>
+        <p:spPr>
+          <a:xfrm>
+            <a:off x="438520" y="4018753"/>
+            <a:ext cx="6616793" cy="566928"/>
+          </a:xfrm>
+          <a:prstGeom prst="rect">
+            <a:avLst/>
+          </a:prstGeom>
+          <a:ln w="38100">
+            <a:noFill/>
+          </a:ln>
+        </p:spPr>
+        <p:style>
+          <a:lnRef idx="1">
+            <a:schemeClr val="accent1"/>
+          </a:lnRef>
+          <a:fillRef idx="0">
+            <a:schemeClr val="accent1"/>
+          </a:fillRef>
+          <a:effectRef idx="0">
+            <a:schemeClr val="accent1"/>
+          </a:effectRef>
+          <a:fontRef idx="minor">
+            <a:schemeClr val="tx1"/>
+          </a:fontRef>
+        </p:style>
+        <p:txBody>
+          <a:bodyPr tIns="180000">
+            <a:spAutoFit/>
+          </a:bodyPr>
+          <a:lstStyle>
+            <a:lvl1pPr marL="0" indent="0" algn="l">
+              <a:spcBef>
+                <a:spcPts val="0"/>
+              </a:spcBef>
+              <a:buNone/>
+              <a:defRPr sz="2400" b="0" i="0">
+                <a:solidFill>
+                  <a:schemeClr val="bg1"/>
+                </a:solidFill>
+                <a:latin typeface="Bernina Sans Offc" panose="02000000000000000000" pitchFamily="2" charset="77"/>
+              </a:defRPr>
+            </a:lvl1pPr>
+            <a:lvl2pPr marL="457200" indent="0" algn="ctr">
+              <a:buNone/>
+              <a:defRPr sz="2000"/>
+            </a:lvl2pPr>
+            <a:lvl3pPr marL="914400" indent="0" algn="ctr">
+              <a:buNone/>
+              <a:defRPr sz="1800"/>
+            </a:lvl3pPr>
+            <a:lvl4pPr marL="1371600" indent="0" algn="ctr">
+              <a:buNone/>
+              <a:defRPr sz="1600"/>
+            </a:lvl4pPr>
+            <a:lvl5pPr marL="1828800" indent="0" algn="ctr">
+              <a:buNone/>
+              <a:defRPr sz="1600"/>
+            </a:lvl5pPr>
+            <a:lvl6pPr marL="2286000" indent="0" algn="ctr">
+              <a:buNone/>
+              <a:defRPr sz="1600"/>
+            </a:lvl6pPr>
+            <a:lvl7pPr marL="2743200" indent="0" algn="ctr">
+              <a:buNone/>
+              <a:defRPr sz="1600"/>
+            </a:lvl7pPr>
+            <a:lvl8pPr marL="3200400" indent="0" algn="ctr">
+              <a:buNone/>
+              <a:defRPr sz="1600"/>
+            </a:lvl8pPr>
+            <a:lvl9pPr marL="3657600" indent="0" algn="ctr">
+              <a:buNone/>
+              <a:defRPr sz="1600"/>
+            </a:lvl9pPr>
+          </a:lstStyle>
+          <a:p>
+            <a:r>
+              <a:rPr lang="en-US">
+                <a:latin typeface="+mn-lt"/>
+              </a:rPr>
+              <a:t>Lorem ipsum dolor sit </a:t>
+            </a:r>
+            <a:r>
+              <a:rPr lang="en-US" err="1">
+                <a:latin typeface="+mn-lt"/>
+              </a:rPr>
+              <a:t>amet</a:t>
+            </a:r>
+            <a:endParaRPr lang="en-US"/>
+          </a:p>
+        </p:txBody>
+      </p:sp>
+      <p:pic>
+        <p:nvPicPr>
+          <p:cNvPr id="13" name="Graphic 12">
+            <a:extLst>
+              <a:ext uri="{FF2B5EF4-FFF2-40B4-BE49-F238E27FC236}">
+                <a16:creationId xmlns:a16="http://schemas.microsoft.com/office/drawing/2014/main" id="{C6D70604-2298-F29B-1BFD-7D0582FD7D57}"/>
+              </a:ext>
+            </a:extLst>
+          </p:cNvPr>
+          <p:cNvPicPr>
+            <a:picLocks noChangeAspect="1"/>
+          </p:cNvPicPr>
+          <p:nvPr userDrawn="1"/>
+        </p:nvPicPr>
+        <p:blipFill>
+          <a:blip r:embed="rId5">
+            <a:extLst>
+              <a:ext uri="{96DAC541-7B7A-43D3-8B79-37D633B846F1}">
+                <asvg:svgBlip xmlns:asvg="http://schemas.microsoft.com/office/drawing/2016/SVG/main" r:embed="rId6"/>
+              </a:ext>
+            </a:extLst>
+          </a:blip>
+          <a:stretch>
+            <a:fillRect/>
+          </a:stretch>
+        </p:blipFill>
+        <p:spPr>
+          <a:xfrm>
+            <a:off x="9521640" y="373942"/>
+            <a:ext cx="2268000" cy="396000"/>
+          </a:xfrm>
+          <a:prstGeom prst="rect">
+            <a:avLst/>
+          </a:prstGeom>
+        </p:spPr>
+      </p:pic>
+      <p:sp>
+        <p:nvSpPr>
+          <p:cNvPr id="39" name="Rectangle 38">
+            <a:extLst>
+              <a:ext uri="{FF2B5EF4-FFF2-40B4-BE49-F238E27FC236}">
+                <a16:creationId xmlns:a16="http://schemas.microsoft.com/office/drawing/2014/main" id="{7AE261D4-1C25-9B1B-8326-5B0F8EBA718F}"/>
+              </a:ext>
+            </a:extLst>
+          </p:cNvPr>
+          <p:cNvSpPr/>
+          <p:nvPr userDrawn="1"/>
+        </p:nvSpPr>
+        <p:spPr>
+          <a:xfrm>
+            <a:off x="458763" y="3777088"/>
+            <a:ext cx="1090868" cy="45719"/>
+          </a:xfrm>
+          <a:prstGeom prst="rect">
+            <a:avLst/>
+          </a:prstGeom>
+          <a:solidFill>
+            <a:schemeClr val="bg1"/>
+          </a:solidFill>
+          <a:ln>
+            <a:noFill/>
+          </a:ln>
+          <a:effectLst>
+            <a:outerShdw blurRad="235545" sx="104000" sy="104000" algn="ctr" rotWithShape="0">
+              <a:srgbClr val="000000">
+                <a:alpha val="10000"/>
+              </a:srgbClr>
+            </a:outerShdw>
+          </a:effectLst>
+        </p:spPr>
+        <p:style>
+          <a:lnRef idx="2">
+            <a:schemeClr val="accent1">
+              <a:shade val="50000"/>
+            </a:schemeClr>
+          </a:lnRef>
+          <a:fillRef idx="1">
+            <a:schemeClr val="accent1"/>
+          </a:fillRef>
+          <a:effectRef idx="0">
+            <a:schemeClr val="accent1"/>
+          </a:effectRef>
+          <a:fontRef idx="minor">
+            <a:schemeClr val="lt1"/>
+          </a:fontRef>
+        </p:style>
+        <p:txBody>
+          <a:bodyPr rtlCol="0" anchor="t">
+            <a:noAutofit/>
+          </a:bodyPr>
+          <a:lstStyle/>
+          <a:p>
+            <a:pPr marL="0" marR="0" indent="0" algn="ctr" defTabSz="914400" rtl="0" eaLnBrk="1" fontAlgn="auto" latinLnBrk="0" hangingPunct="1">
+              <a:lnSpc>
+                <a:spcPct val="100000"/>
+              </a:lnSpc>
+              <a:spcBef>
+                <a:spcPts val="0"/>
+              </a:spcBef>
+              <a:spcAft>
+                <a:spcPts val="0"/>
+              </a:spcAft>
+              <a:buClrTx/>
+              <a:buSzTx/>
+              <a:buFontTx/>
+              <a:buNone/>
+              <a:tabLst/>
+            </a:pPr>
+            <a:endParaRPr kumimoji="0" lang="en-US" sz="900" b="0" i="0" u="none" strike="noStrike" kern="1200" cap="none" spc="150" normalizeH="0" baseline="0" noProof="0">
+              <a:ln>
+                <a:noFill/>
+              </a:ln>
+              <a:solidFill>
+                <a:srgbClr val="FFFFFF"/>
+              </a:solidFill>
+              <a:effectLst/>
+              <a:uLnTx/>
+              <a:uFillTx/>
+              <a:latin typeface="Bernina Sans Offc" panose="02000000000000000000" pitchFamily="2" charset="77"/>
+              <a:ea typeface="+mn-ea"/>
+              <a:cs typeface="+mn-cs"/>
+            </a:endParaRPr>
+          </a:p>
+        </p:txBody>
+      </p:sp>
+    </p:spTree>
+    <p:extLst>
+      <p:ext uri="{BB962C8B-B14F-4D97-AF65-F5344CB8AC3E}">
+        <p14:creationId xmlns:p14="http://schemas.microsoft.com/office/powerpoint/2010/main" val="1795867114"/>
+      </p:ext>
+    </p:extLst>
+  </p:cSld>
+  <p:clrMapOvr>
+    <a:masterClrMapping/>
+  </p:clrMapOvr>
+</p:sldLayout>
+</file>
+
 <file path=ppt/slideLayouts/slideLayout2.xml><?xml version="1.0" encoding="utf-8"?>
 <p:sldLayout xmlns:a="http://schemas.openxmlformats.org/drawingml/2006/main" xmlns:r="http://schemas.openxmlformats.org/officeDocument/2006/relationships" xmlns:p="http://schemas.openxmlformats.org/presentationml/2006/main" type="obj" preserve="1">
   <p:cSld name="Title and Content">
@@ -3981,7 +4430,7 @@
           <a:p>
             <a:fld id="{DFED49D2-CC62-47A6-8FD4-1840AC422660}" type="datetimeFigureOut">
               <a:rPr lang="en-US" smtClean="0"/>
-              <a:t>5/7/2022</a:t>
+              <a:t>3/14/2023</a:t>
             </a:fld>
             <a:endParaRPr lang="en-US"/>
           </a:p>
@@ -4256,7 +4705,7 @@
           <a:p>
             <a:fld id="{DFED49D2-CC62-47A6-8FD4-1840AC422660}" type="datetimeFigureOut">
               <a:rPr lang="en-US" smtClean="0"/>
-              <a:t>5/7/2022</a:t>
+              <a:t>3/14/2023</a:t>
             </a:fld>
             <a:endParaRPr lang="en-US"/>
           </a:p>
@@ -4521,7 +4970,7 @@
           <a:p>
             <a:fld id="{DFED49D2-CC62-47A6-8FD4-1840AC422660}" type="datetimeFigureOut">
               <a:rPr lang="en-US" smtClean="0"/>
-              <a:t>5/7/2022</a:t>
+              <a:t>3/14/2023</a:t>
             </a:fld>
             <a:endParaRPr lang="en-US"/>
           </a:p>
@@ -4933,7 +5382,7 @@
           <a:p>
             <a:fld id="{DFED49D2-CC62-47A6-8FD4-1840AC422660}" type="datetimeFigureOut">
               <a:rPr lang="en-US" smtClean="0"/>
-              <a:t>5/7/2022</a:t>
+              <a:t>3/14/2023</a:t>
             </a:fld>
             <a:endParaRPr lang="en-US"/>
           </a:p>
@@ -5074,7 +5523,7 @@
           <a:p>
             <a:fld id="{DFED49D2-CC62-47A6-8FD4-1840AC422660}" type="datetimeFigureOut">
               <a:rPr lang="en-US" smtClean="0"/>
-              <a:t>5/7/2022</a:t>
+              <a:t>3/14/2023</a:t>
             </a:fld>
             <a:endParaRPr lang="en-US"/>
           </a:p>
@@ -5187,7 +5636,7 @@
           <a:p>
             <a:fld id="{DFED49D2-CC62-47A6-8FD4-1840AC422660}" type="datetimeFigureOut">
               <a:rPr lang="en-US" smtClean="0"/>
-              <a:t>5/7/2022</a:t>
+              <a:t>3/14/2023</a:t>
             </a:fld>
             <a:endParaRPr lang="en-US"/>
           </a:p>
@@ -5498,7 +5947,7 @@
           <a:p>
             <a:fld id="{DFED49D2-CC62-47A6-8FD4-1840AC422660}" type="datetimeFigureOut">
               <a:rPr lang="en-US" smtClean="0"/>
-              <a:t>5/7/2022</a:t>
+              <a:t>3/14/2023</a:t>
             </a:fld>
             <a:endParaRPr lang="en-US"/>
           </a:p>
@@ -5786,7 +6235,7 @@
           <a:p>
             <a:fld id="{DFED49D2-CC62-47A6-8FD4-1840AC422660}" type="datetimeFigureOut">
               <a:rPr lang="en-US" smtClean="0"/>
-              <a:t>5/7/2022</a:t>
+              <a:t>3/14/2023</a:t>
             </a:fld>
             <a:endParaRPr lang="en-US"/>
           </a:p>
@@ -6027,7 +6476,7 @@
           <a:p>
             <a:fld id="{DFED49D2-CC62-47A6-8FD4-1840AC422660}" type="datetimeFigureOut">
               <a:rPr lang="en-US" smtClean="0"/>
-              <a:t>5/7/2022</a:t>
+              <a:t>3/14/2023</a:t>
             </a:fld>
             <a:endParaRPr lang="en-US"/>
           </a:p>
@@ -6146,6 +6595,7 @@
     <p:sldLayoutId id="2147484017" r:id="rId12"/>
     <p:sldLayoutId id="2147484018" r:id="rId13"/>
     <p:sldLayoutId id="2147484019" r:id="rId14"/>
+    <p:sldLayoutId id="2147484020" r:id="rId15"/>
   </p:sldLayoutIdLst>
   <p:txStyles>
     <p:titleStyle>
@@ -6431,7 +6881,7 @@
 </file>
 
 <file path=ppt/slides/slide1.xml><?xml version="1.0" encoding="utf-8"?>
-<p:sld xmlns:a="http://schemas.openxmlformats.org/drawingml/2006/main" xmlns:r="http://schemas.openxmlformats.org/officeDocument/2006/relationships" xmlns:p="http://schemas.openxmlformats.org/presentationml/2006/main">
+<p:sld xmlns:a="http://schemas.openxmlformats.org/drawingml/2006/main" xmlns:r="http://schemas.openxmlformats.org/officeDocument/2006/relationships" xmlns:p="http://schemas.openxmlformats.org/presentationml/2006/main" show="0">
   <p:cSld>
     <p:bg>
       <p:bgPr>
@@ -6550,6 +7000,232 @@
 <file path=ppt/slides/slide10.xml><?xml version="1.0" encoding="utf-8"?>
 <p:sld xmlns:a="http://schemas.openxmlformats.org/drawingml/2006/main" xmlns:r="http://schemas.openxmlformats.org/officeDocument/2006/relationships" xmlns:p="http://schemas.openxmlformats.org/presentationml/2006/main">
   <p:cSld>
+    <p:spTree>
+      <p:nvGrpSpPr>
+        <p:cNvPr id="1" name=""/>
+        <p:cNvGrpSpPr/>
+        <p:nvPr/>
+      </p:nvGrpSpPr>
+      <p:grpSpPr>
+        <a:xfrm>
+          <a:off x="0" y="0"/>
+          <a:ext cx="0" cy="0"/>
+          <a:chOff x="0" y="0"/>
+          <a:chExt cx="0" cy="0"/>
+        </a:xfrm>
+      </p:grpSpPr>
+      <p:sp>
+        <p:nvSpPr>
+          <p:cNvPr id="3" name="Title 2"/>
+          <p:cNvSpPr>
+            <a:spLocks noGrp="1"/>
+          </p:cNvSpPr>
+          <p:nvPr>
+            <p:ph type="title"/>
+          </p:nvPr>
+        </p:nvSpPr>
+        <p:spPr/>
+        <p:txBody>
+          <a:bodyPr/>
+          <a:lstStyle/>
+          <a:p>
+            <a:r>
+              <a:rPr lang="en-US" sz="5400" b="1" dirty="0">
+                <a:solidFill>
+                  <a:srgbClr val="002060"/>
+                </a:solidFill>
+                <a:latin typeface="Segoe UI" panose="020B0502040204020203" pitchFamily="34" charset="0"/>
+                <a:cs typeface="Segoe UI" panose="020B0502040204020203" pitchFamily="34" charset="0"/>
+              </a:rPr>
+              <a:t>Challenge #2</a:t>
+            </a:r>
+            <a:br>
+              <a:rPr lang="en-US" sz="5400" b="1" dirty="0">
+                <a:solidFill>
+                  <a:srgbClr val="002060"/>
+                </a:solidFill>
+                <a:latin typeface="Segoe UI" panose="020B0502040204020203" pitchFamily="34" charset="0"/>
+                <a:cs typeface="Segoe UI" panose="020B0502040204020203" pitchFamily="34" charset="0"/>
+              </a:rPr>
+            </a:br>
+            <a:r>
+              <a:rPr lang="en-US" sz="3200" b="1" dirty="0">
+                <a:solidFill>
+                  <a:srgbClr val="7030A0"/>
+                </a:solidFill>
+                <a:latin typeface="Segoe UI" panose="020B0502040204020203" pitchFamily="34" charset="0"/>
+                <a:cs typeface="Segoe UI" panose="020B0502040204020203" pitchFamily="34" charset="0"/>
+              </a:rPr>
+              <a:t>&lt;Insert Challenge #2 Title here&gt;</a:t>
+            </a:r>
+          </a:p>
+        </p:txBody>
+      </p:sp>
+      <p:sp>
+        <p:nvSpPr>
+          <p:cNvPr id="2" name="Text Placeholder 1"/>
+          <p:cNvSpPr>
+            <a:spLocks noGrp="1"/>
+          </p:cNvSpPr>
+          <p:nvPr>
+            <p:ph type="body" sz="quarter" idx="10"/>
+          </p:nvPr>
+        </p:nvSpPr>
+        <p:spPr>
+          <a:xfrm>
+            <a:off x="550985" y="1890296"/>
+            <a:ext cx="11374096" cy="4556504"/>
+          </a:xfrm>
+        </p:spPr>
+        <p:txBody>
+          <a:bodyPr>
+            <a:normAutofit/>
+          </a:bodyPr>
+          <a:lstStyle/>
+          <a:p>
+            <a:r>
+              <a:rPr lang="en-US" sz="3200" dirty="0">
+                <a:latin typeface="Segoe UI" panose="020B0502040204020203" pitchFamily="34" charset="0"/>
+                <a:cs typeface="Segoe UI" panose="020B0502040204020203" pitchFamily="34" charset="0"/>
+              </a:rPr>
+              <a:t>Key challenge goal #1</a:t>
+            </a:r>
+          </a:p>
+          <a:p>
+            <a:pPr lvl="1"/>
+            <a:r>
+              <a:rPr lang="en-US" sz="2800" dirty="0">
+                <a:latin typeface="Segoe UI" panose="020B0502040204020203" pitchFamily="34" charset="0"/>
+                <a:cs typeface="Segoe UI" panose="020B0502040204020203" pitchFamily="34" charset="0"/>
+              </a:rPr>
+              <a:t>Challenge goal details/specifications</a:t>
+            </a:r>
+          </a:p>
+          <a:p>
+            <a:pPr lvl="1"/>
+            <a:r>
+              <a:rPr lang="en-US" sz="2800" dirty="0">
+                <a:latin typeface="Segoe UI" panose="020B0502040204020203" pitchFamily="34" charset="0"/>
+                <a:cs typeface="Segoe UI" panose="020B0502040204020203" pitchFamily="34" charset="0"/>
+              </a:rPr>
+              <a:t>Takes inputs: </a:t>
+            </a:r>
+          </a:p>
+          <a:p>
+            <a:pPr lvl="2"/>
+            <a:r>
+              <a:rPr lang="en-US" sz="2400" dirty="0">
+                <a:latin typeface="Segoe UI" panose="020B0502040204020203" pitchFamily="34" charset="0"/>
+                <a:cs typeface="Segoe UI" panose="020B0502040204020203" pitchFamily="34" charset="0"/>
+              </a:rPr>
+              <a:t>Location</a:t>
+            </a:r>
+          </a:p>
+          <a:p>
+            <a:pPr lvl="2"/>
+            <a:r>
+              <a:rPr lang="en-US" sz="2400" dirty="0">
+                <a:latin typeface="Segoe UI" panose="020B0502040204020203" pitchFamily="34" charset="0"/>
+                <a:cs typeface="Segoe UI" panose="020B0502040204020203" pitchFamily="34" charset="0"/>
+              </a:rPr>
+              <a:t>A unique storage account name</a:t>
+            </a:r>
+          </a:p>
+          <a:p>
+            <a:pPr lvl="1"/>
+            <a:r>
+              <a:rPr lang="en-US" sz="2800" dirty="0">
+                <a:latin typeface="Segoe UI" panose="020B0502040204020203" pitchFamily="34" charset="0"/>
+                <a:cs typeface="Segoe UI" panose="020B0502040204020203" pitchFamily="34" charset="0"/>
+              </a:rPr>
+              <a:t>Returns output:</a:t>
+            </a:r>
+          </a:p>
+          <a:p>
+            <a:pPr lvl="2"/>
+            <a:r>
+              <a:rPr lang="en-US" sz="2400" dirty="0">
+                <a:latin typeface="Segoe UI" panose="020B0502040204020203" pitchFamily="34" charset="0"/>
+                <a:cs typeface="Segoe UI" panose="020B0502040204020203" pitchFamily="34" charset="0"/>
+              </a:rPr>
+              <a:t> storage account ID</a:t>
+            </a:r>
+          </a:p>
+          <a:p>
+            <a:r>
+              <a:rPr lang="en-US" sz="3200" dirty="0">
+                <a:latin typeface="Segoe UI" panose="020B0502040204020203" pitchFamily="34" charset="0"/>
+                <a:cs typeface="Segoe UI" panose="020B0502040204020203" pitchFamily="34" charset="0"/>
+              </a:rPr>
+              <a:t>Key challenge goal #2</a:t>
+            </a:r>
+          </a:p>
+          <a:p>
+            <a:r>
+              <a:rPr lang="en-US" sz="3200" dirty="0">
+                <a:latin typeface="Segoe UI" panose="020B0502040204020203" pitchFamily="34" charset="0"/>
+                <a:cs typeface="Segoe UI" panose="020B0502040204020203" pitchFamily="34" charset="0"/>
+              </a:rPr>
+              <a:t>Key challenge goal #3</a:t>
+            </a:r>
+          </a:p>
+        </p:txBody>
+      </p:sp>
+      <p:pic>
+        <p:nvPicPr>
+          <p:cNvPr id="5" name="Picture 4" descr="Text&#10;&#10;Description automatically generated">
+            <a:extLst>
+              <a:ext uri="{FF2B5EF4-FFF2-40B4-BE49-F238E27FC236}">
+                <a16:creationId xmlns:a16="http://schemas.microsoft.com/office/drawing/2014/main" id="{2D626920-EFD5-05E1-4B50-98C1F77DE5DC}"/>
+              </a:ext>
+            </a:extLst>
+          </p:cNvPr>
+          <p:cNvPicPr>
+            <a:picLocks noChangeAspect="1"/>
+          </p:cNvPicPr>
+          <p:nvPr/>
+        </p:nvPicPr>
+        <p:blipFill>
+          <a:blip r:embed="rId3" cstate="print">
+            <a:extLst>
+              <a:ext uri="{28A0092B-C50C-407E-A947-70E740481C1C}">
+                <a14:useLocalDpi xmlns:a14="http://schemas.microsoft.com/office/drawing/2010/main"/>
+              </a:ext>
+            </a:extLst>
+          </a:blip>
+          <a:stretch>
+            <a:fillRect/>
+          </a:stretch>
+        </p:blipFill>
+        <p:spPr>
+          <a:xfrm>
+            <a:off x="8698523" y="-229216"/>
+            <a:ext cx="3622431" cy="1704766"/>
+          </a:xfrm>
+          <a:prstGeom prst="rect">
+            <a:avLst/>
+          </a:prstGeom>
+        </p:spPr>
+      </p:pic>
+    </p:spTree>
+    <p:extLst>
+      <p:ext uri="{BB962C8B-B14F-4D97-AF65-F5344CB8AC3E}">
+        <p14:creationId xmlns:p14="http://schemas.microsoft.com/office/powerpoint/2010/main" val="338137321"/>
+      </p:ext>
+    </p:extLst>
+  </p:cSld>
+  <p:clrMapOvr>
+    <a:masterClrMapping/>
+  </p:clrMapOvr>
+  <p:transition>
+    <p:fade/>
+  </p:transition>
+</p:sld>
+</file>
+
+<file path=ppt/slides/slide11.xml><?xml version="1.0" encoding="utf-8"?>
+<p:sld xmlns:a="http://schemas.openxmlformats.org/drawingml/2006/main" xmlns:r="http://schemas.openxmlformats.org/officeDocument/2006/relationships" xmlns:p="http://schemas.openxmlformats.org/presentationml/2006/main">
+  <p:cSld>
     <p:bg>
       <p:bgPr>
         <a:solidFill>
@@ -6692,7 +7368,7 @@
 </p:sld>
 </file>
 
-<file path=ppt/slides/slide11.xml><?xml version="1.0" encoding="utf-8"?>
+<file path=ppt/slides/slide12.xml><?xml version="1.0" encoding="utf-8"?>
 <p:sld xmlns:a="http://schemas.openxmlformats.org/drawingml/2006/main" xmlns:r="http://schemas.openxmlformats.org/officeDocument/2006/relationships" xmlns:p="http://schemas.openxmlformats.org/presentationml/2006/main">
   <p:cSld>
     <p:spTree>
@@ -7457,7 +8133,7 @@
 </p:sld>
 </file>
 
-<file path=ppt/slides/slide12.xml><?xml version="1.0" encoding="utf-8"?>
+<file path=ppt/slides/slide13.xml><?xml version="1.0" encoding="utf-8"?>
 <p:sld xmlns:a="http://schemas.openxmlformats.org/drawingml/2006/main" xmlns:r="http://schemas.openxmlformats.org/officeDocument/2006/relationships" xmlns:p="http://schemas.openxmlformats.org/presentationml/2006/main">
   <p:cSld>
     <p:spTree>
@@ -7683,7 +8359,7 @@
 </p:sld>
 </file>
 
-<file path=ppt/slides/slide13.xml><?xml version="1.0" encoding="utf-8"?>
+<file path=ppt/slides/slide14.xml><?xml version="1.0" encoding="utf-8"?>
 <p:sld xmlns:a="http://schemas.openxmlformats.org/drawingml/2006/main" xmlns:r="http://schemas.openxmlformats.org/officeDocument/2006/relationships" xmlns:p="http://schemas.openxmlformats.org/presentationml/2006/main">
   <p:cSld>
     <p:bg>
@@ -7860,6 +8536,136 @@
           <a:chExt cx="0" cy="0"/>
         </a:xfrm>
       </p:grpSpPr>
+      <p:sp>
+        <p:nvSpPr>
+          <p:cNvPr id="2" name="Title 1">
+            <a:extLst>
+              <a:ext uri="{FF2B5EF4-FFF2-40B4-BE49-F238E27FC236}">
+                <a16:creationId xmlns:a16="http://schemas.microsoft.com/office/drawing/2014/main" id="{DB997EC9-79E3-0F63-98A5-871C1C02713C}"/>
+              </a:ext>
+            </a:extLst>
+          </p:cNvPr>
+          <p:cNvSpPr>
+            <a:spLocks noGrp="1"/>
+          </p:cNvSpPr>
+          <p:nvPr>
+            <p:ph type="ctrTitle"/>
+          </p:nvPr>
+        </p:nvSpPr>
+        <p:spPr/>
+        <p:txBody>
+          <a:bodyPr/>
+          <a:lstStyle/>
+          <a:p>
+            <a:r>
+              <a:rPr lang="en-US" dirty="0"/>
+              <a:t>Dynatrace on Azure</a:t>
+            </a:r>
+          </a:p>
+        </p:txBody>
+      </p:sp>
+      <p:sp>
+        <p:nvSpPr>
+          <p:cNvPr id="3" name="Subtitle 2">
+            <a:extLst>
+              <a:ext uri="{FF2B5EF4-FFF2-40B4-BE49-F238E27FC236}">
+                <a16:creationId xmlns:a16="http://schemas.microsoft.com/office/drawing/2014/main" id="{9F433566-0641-9DA1-CA13-EE6BB18003B9}"/>
+              </a:ext>
+            </a:extLst>
+          </p:cNvPr>
+          <p:cNvSpPr>
+            <a:spLocks noGrp="1"/>
+          </p:cNvSpPr>
+          <p:nvPr>
+            <p:ph type="subTitle" idx="1"/>
+          </p:nvPr>
+        </p:nvSpPr>
+        <p:spPr>
+          <a:xfrm>
+            <a:off x="438520" y="4018753"/>
+            <a:ext cx="6616793" cy="896312"/>
+          </a:xfrm>
+        </p:spPr>
+        <p:txBody>
+          <a:bodyPr/>
+          <a:lstStyle/>
+          <a:p>
+            <a:r>
+              <a:rPr lang="en" sz="2400" b="1" dirty="0">
+                <a:latin typeface="Roboto"/>
+                <a:ea typeface="Roboto"/>
+                <a:cs typeface="Roboto"/>
+                <a:sym typeface="Roboto"/>
+              </a:rPr>
+              <a:t>Modernize and Monitor Applications with Dynatrace on Azure</a:t>
+            </a:r>
+            <a:endParaRPr lang="en-US" dirty="0"/>
+          </a:p>
+        </p:txBody>
+      </p:sp>
+      <p:pic>
+        <p:nvPicPr>
+          <p:cNvPr id="4" name="Google Shape;516;p4" descr="Text&#10;&#10;Description automatically generated">
+            <a:extLst>
+              <a:ext uri="{FF2B5EF4-FFF2-40B4-BE49-F238E27FC236}">
+                <a16:creationId xmlns:a16="http://schemas.microsoft.com/office/drawing/2014/main" id="{C8A79376-B097-9D08-EB84-7B4CD92596E8}"/>
+              </a:ext>
+            </a:extLst>
+          </p:cNvPr>
+          <p:cNvPicPr preferRelativeResize="0"/>
+          <p:nvPr/>
+        </p:nvPicPr>
+        <p:blipFill rotWithShape="1">
+          <a:blip r:embed="rId2">
+            <a:alphaModFix/>
+          </a:blip>
+          <a:srcRect t="21125" b="23748"/>
+          <a:stretch/>
+        </p:blipFill>
+        <p:spPr>
+          <a:xfrm>
+            <a:off x="1214987" y="150201"/>
+            <a:ext cx="8586780" cy="2227731"/>
+          </a:xfrm>
+          <a:prstGeom prst="rect">
+            <a:avLst/>
+          </a:prstGeom>
+          <a:noFill/>
+          <a:ln>
+            <a:noFill/>
+          </a:ln>
+        </p:spPr>
+      </p:pic>
+    </p:spTree>
+    <p:extLst>
+      <p:ext uri="{BB962C8B-B14F-4D97-AF65-F5344CB8AC3E}">
+        <p14:creationId xmlns:p14="http://schemas.microsoft.com/office/powerpoint/2010/main" val="3011318598"/>
+      </p:ext>
+    </p:extLst>
+  </p:cSld>
+  <p:clrMapOvr>
+    <a:masterClrMapping/>
+  </p:clrMapOvr>
+</p:sld>
+</file>
+
+<file path=ppt/slides/slide3.xml><?xml version="1.0" encoding="utf-8"?>
+<p:sld xmlns:a="http://schemas.openxmlformats.org/drawingml/2006/main" xmlns:r="http://schemas.openxmlformats.org/officeDocument/2006/relationships" xmlns:p="http://schemas.openxmlformats.org/presentationml/2006/main">
+  <p:cSld>
+    <p:spTree>
+      <p:nvGrpSpPr>
+        <p:cNvPr id="1" name=""/>
+        <p:cNvGrpSpPr/>
+        <p:nvPr/>
+      </p:nvGrpSpPr>
+      <p:grpSpPr>
+        <a:xfrm>
+          <a:off x="0" y="0"/>
+          <a:ext cx="0" cy="0"/>
+          <a:chOff x="0" y="0"/>
+          <a:chExt cx="0" cy="0"/>
+        </a:xfrm>
+      </p:grpSpPr>
       <p:pic>
         <p:nvPicPr>
           <p:cNvPr id="13" name="Picture 12" descr="A sign in the dark&#10;&#10;Description automatically generated">
@@ -7934,7 +8740,7 @@
                 <a:latin typeface="Segoe UI Light" panose="020B0502040204020203" pitchFamily="34" charset="0"/>
                 <a:cs typeface="Segoe UI Light" panose="020B0502040204020203" pitchFamily="34" charset="0"/>
               </a:rPr>
-              <a:t>&lt;Insert Hack Name Here&gt;</a:t>
+              <a:t>Dynatrace on Azure</a:t>
             </a:r>
           </a:p>
           <a:p>
@@ -8569,7 +9375,7 @@
 </p:sld>
 </file>
 
-<file path=ppt/slides/slide3.xml><?xml version="1.0" encoding="utf-8"?>
+<file path=ppt/slides/slide4.xml><?xml version="1.0" encoding="utf-8"?>
 <p:sld xmlns:a="http://schemas.openxmlformats.org/drawingml/2006/main" xmlns:r="http://schemas.openxmlformats.org/officeDocument/2006/relationships" xmlns:p="http://schemas.openxmlformats.org/presentationml/2006/main">
   <p:cSld>
     <p:spTree>
@@ -8792,7 +9598,7 @@
 </p:sld>
 </file>
 
-<file path=ppt/slides/slide4.xml><?xml version="1.0" encoding="utf-8"?>
+<file path=ppt/slides/slide5.xml><?xml version="1.0" encoding="utf-8"?>
 <p:sld xmlns:a="http://schemas.openxmlformats.org/drawingml/2006/main" xmlns:r="http://schemas.openxmlformats.org/officeDocument/2006/relationships" xmlns:p="http://schemas.openxmlformats.org/presentationml/2006/main">
   <p:cSld>
     <p:bg>
@@ -8937,7 +9743,7 @@
 </p:sld>
 </file>
 
-<file path=ppt/slides/slide5.xml><?xml version="1.0" encoding="utf-8"?>
+<file path=ppt/slides/slide6.xml><?xml version="1.0" encoding="utf-8"?>
 <p:sld xmlns:a="http://schemas.openxmlformats.org/drawingml/2006/main" xmlns:r="http://schemas.openxmlformats.org/officeDocument/2006/relationships" xmlns:p="http://schemas.openxmlformats.org/presentationml/2006/main">
   <p:cSld>
     <p:spTree>
@@ -9702,7 +10508,7 @@
 </p:sld>
 </file>
 
-<file path=ppt/slides/slide6.xml><?xml version="1.0" encoding="utf-8"?>
+<file path=ppt/slides/slide7.xml><?xml version="1.0" encoding="utf-8"?>
 <p:sld xmlns:a="http://schemas.openxmlformats.org/drawingml/2006/main" xmlns:r="http://schemas.openxmlformats.org/officeDocument/2006/relationships" xmlns:p="http://schemas.openxmlformats.org/presentationml/2006/main">
   <p:cSld>
     <p:spTree>
@@ -9928,7 +10734,7 @@
 </p:sld>
 </file>
 
-<file path=ppt/slides/slide7.xml><?xml version="1.0" encoding="utf-8"?>
+<file path=ppt/slides/slide8.xml><?xml version="1.0" encoding="utf-8"?>
 <p:sld xmlns:a="http://schemas.openxmlformats.org/drawingml/2006/main" xmlns:r="http://schemas.openxmlformats.org/officeDocument/2006/relationships" xmlns:p="http://schemas.openxmlformats.org/presentationml/2006/main">
   <p:cSld>
     <p:bg>
@@ -10073,7 +10879,7 @@
 </p:sld>
 </file>
 
-<file path=ppt/slides/slide8.xml><?xml version="1.0" encoding="utf-8"?>
+<file path=ppt/slides/slide9.xml><?xml version="1.0" encoding="utf-8"?>
 <p:sld xmlns:a="http://schemas.openxmlformats.org/drawingml/2006/main" xmlns:r="http://schemas.openxmlformats.org/officeDocument/2006/relationships" xmlns:p="http://schemas.openxmlformats.org/presentationml/2006/main">
   <p:cSld>
     <p:spTree>
@@ -10835,232 +11641,6 @@
   <p:clrMapOvr>
     <a:masterClrMapping/>
   </p:clrMapOvr>
-</p:sld>
-</file>
-
-<file path=ppt/slides/slide9.xml><?xml version="1.0" encoding="utf-8"?>
-<p:sld xmlns:a="http://schemas.openxmlformats.org/drawingml/2006/main" xmlns:r="http://schemas.openxmlformats.org/officeDocument/2006/relationships" xmlns:p="http://schemas.openxmlformats.org/presentationml/2006/main">
-  <p:cSld>
-    <p:spTree>
-      <p:nvGrpSpPr>
-        <p:cNvPr id="1" name=""/>
-        <p:cNvGrpSpPr/>
-        <p:nvPr/>
-      </p:nvGrpSpPr>
-      <p:grpSpPr>
-        <a:xfrm>
-          <a:off x="0" y="0"/>
-          <a:ext cx="0" cy="0"/>
-          <a:chOff x="0" y="0"/>
-          <a:chExt cx="0" cy="0"/>
-        </a:xfrm>
-      </p:grpSpPr>
-      <p:sp>
-        <p:nvSpPr>
-          <p:cNvPr id="3" name="Title 2"/>
-          <p:cNvSpPr>
-            <a:spLocks noGrp="1"/>
-          </p:cNvSpPr>
-          <p:nvPr>
-            <p:ph type="title"/>
-          </p:nvPr>
-        </p:nvSpPr>
-        <p:spPr/>
-        <p:txBody>
-          <a:bodyPr/>
-          <a:lstStyle/>
-          <a:p>
-            <a:r>
-              <a:rPr lang="en-US" sz="5400" b="1" dirty="0">
-                <a:solidFill>
-                  <a:srgbClr val="002060"/>
-                </a:solidFill>
-                <a:latin typeface="Segoe UI" panose="020B0502040204020203" pitchFamily="34" charset="0"/>
-                <a:cs typeface="Segoe UI" panose="020B0502040204020203" pitchFamily="34" charset="0"/>
-              </a:rPr>
-              <a:t>Challenge #2</a:t>
-            </a:r>
-            <a:br>
-              <a:rPr lang="en-US" sz="5400" b="1" dirty="0">
-                <a:solidFill>
-                  <a:srgbClr val="002060"/>
-                </a:solidFill>
-                <a:latin typeface="Segoe UI" panose="020B0502040204020203" pitchFamily="34" charset="0"/>
-                <a:cs typeface="Segoe UI" panose="020B0502040204020203" pitchFamily="34" charset="0"/>
-              </a:rPr>
-            </a:br>
-            <a:r>
-              <a:rPr lang="en-US" sz="3200" b="1" dirty="0">
-                <a:solidFill>
-                  <a:srgbClr val="7030A0"/>
-                </a:solidFill>
-                <a:latin typeface="Segoe UI" panose="020B0502040204020203" pitchFamily="34" charset="0"/>
-                <a:cs typeface="Segoe UI" panose="020B0502040204020203" pitchFamily="34" charset="0"/>
-              </a:rPr>
-              <a:t>&lt;Insert Challenge #2 Title here&gt;</a:t>
-            </a:r>
-          </a:p>
-        </p:txBody>
-      </p:sp>
-      <p:sp>
-        <p:nvSpPr>
-          <p:cNvPr id="2" name="Text Placeholder 1"/>
-          <p:cNvSpPr>
-            <a:spLocks noGrp="1"/>
-          </p:cNvSpPr>
-          <p:nvPr>
-            <p:ph type="body" sz="quarter" idx="10"/>
-          </p:nvPr>
-        </p:nvSpPr>
-        <p:spPr>
-          <a:xfrm>
-            <a:off x="550985" y="1890296"/>
-            <a:ext cx="11374096" cy="4556504"/>
-          </a:xfrm>
-        </p:spPr>
-        <p:txBody>
-          <a:bodyPr>
-            <a:normAutofit/>
-          </a:bodyPr>
-          <a:lstStyle/>
-          <a:p>
-            <a:r>
-              <a:rPr lang="en-US" sz="3200" dirty="0">
-                <a:latin typeface="Segoe UI" panose="020B0502040204020203" pitchFamily="34" charset="0"/>
-                <a:cs typeface="Segoe UI" panose="020B0502040204020203" pitchFamily="34" charset="0"/>
-              </a:rPr>
-              <a:t>Key challenge goal #1</a:t>
-            </a:r>
-          </a:p>
-          <a:p>
-            <a:pPr lvl="1"/>
-            <a:r>
-              <a:rPr lang="en-US" sz="2800" dirty="0">
-                <a:latin typeface="Segoe UI" panose="020B0502040204020203" pitchFamily="34" charset="0"/>
-                <a:cs typeface="Segoe UI" panose="020B0502040204020203" pitchFamily="34" charset="0"/>
-              </a:rPr>
-              <a:t>Challenge goal details/specifications</a:t>
-            </a:r>
-          </a:p>
-          <a:p>
-            <a:pPr lvl="1"/>
-            <a:r>
-              <a:rPr lang="en-US" sz="2800" dirty="0">
-                <a:latin typeface="Segoe UI" panose="020B0502040204020203" pitchFamily="34" charset="0"/>
-                <a:cs typeface="Segoe UI" panose="020B0502040204020203" pitchFamily="34" charset="0"/>
-              </a:rPr>
-              <a:t>Takes inputs: </a:t>
-            </a:r>
-          </a:p>
-          <a:p>
-            <a:pPr lvl="2"/>
-            <a:r>
-              <a:rPr lang="en-US" sz="2400" dirty="0">
-                <a:latin typeface="Segoe UI" panose="020B0502040204020203" pitchFamily="34" charset="0"/>
-                <a:cs typeface="Segoe UI" panose="020B0502040204020203" pitchFamily="34" charset="0"/>
-              </a:rPr>
-              <a:t>Location</a:t>
-            </a:r>
-          </a:p>
-          <a:p>
-            <a:pPr lvl="2"/>
-            <a:r>
-              <a:rPr lang="en-US" sz="2400" dirty="0">
-                <a:latin typeface="Segoe UI" panose="020B0502040204020203" pitchFamily="34" charset="0"/>
-                <a:cs typeface="Segoe UI" panose="020B0502040204020203" pitchFamily="34" charset="0"/>
-              </a:rPr>
-              <a:t>A unique storage account name</a:t>
-            </a:r>
-          </a:p>
-          <a:p>
-            <a:pPr lvl="1"/>
-            <a:r>
-              <a:rPr lang="en-US" sz="2800" dirty="0">
-                <a:latin typeface="Segoe UI" panose="020B0502040204020203" pitchFamily="34" charset="0"/>
-                <a:cs typeface="Segoe UI" panose="020B0502040204020203" pitchFamily="34" charset="0"/>
-              </a:rPr>
-              <a:t>Returns output:</a:t>
-            </a:r>
-          </a:p>
-          <a:p>
-            <a:pPr lvl="2"/>
-            <a:r>
-              <a:rPr lang="en-US" sz="2400" dirty="0">
-                <a:latin typeface="Segoe UI" panose="020B0502040204020203" pitchFamily="34" charset="0"/>
-                <a:cs typeface="Segoe UI" panose="020B0502040204020203" pitchFamily="34" charset="0"/>
-              </a:rPr>
-              <a:t> storage account ID</a:t>
-            </a:r>
-          </a:p>
-          <a:p>
-            <a:r>
-              <a:rPr lang="en-US" sz="3200" dirty="0">
-                <a:latin typeface="Segoe UI" panose="020B0502040204020203" pitchFamily="34" charset="0"/>
-                <a:cs typeface="Segoe UI" panose="020B0502040204020203" pitchFamily="34" charset="0"/>
-              </a:rPr>
-              <a:t>Key challenge goal #2</a:t>
-            </a:r>
-          </a:p>
-          <a:p>
-            <a:r>
-              <a:rPr lang="en-US" sz="3200" dirty="0">
-                <a:latin typeface="Segoe UI" panose="020B0502040204020203" pitchFamily="34" charset="0"/>
-                <a:cs typeface="Segoe UI" panose="020B0502040204020203" pitchFamily="34" charset="0"/>
-              </a:rPr>
-              <a:t>Key challenge goal #3</a:t>
-            </a:r>
-          </a:p>
-        </p:txBody>
-      </p:sp>
-      <p:pic>
-        <p:nvPicPr>
-          <p:cNvPr id="5" name="Picture 4" descr="Text&#10;&#10;Description automatically generated">
-            <a:extLst>
-              <a:ext uri="{FF2B5EF4-FFF2-40B4-BE49-F238E27FC236}">
-                <a16:creationId xmlns:a16="http://schemas.microsoft.com/office/drawing/2014/main" id="{2D626920-EFD5-05E1-4B50-98C1F77DE5DC}"/>
-              </a:ext>
-            </a:extLst>
-          </p:cNvPr>
-          <p:cNvPicPr>
-            <a:picLocks noChangeAspect="1"/>
-          </p:cNvPicPr>
-          <p:nvPr/>
-        </p:nvPicPr>
-        <p:blipFill>
-          <a:blip r:embed="rId3" cstate="print">
-            <a:extLst>
-              <a:ext uri="{28A0092B-C50C-407E-A947-70E740481C1C}">
-                <a14:useLocalDpi xmlns:a14="http://schemas.microsoft.com/office/drawing/2010/main"/>
-              </a:ext>
-            </a:extLst>
-          </a:blip>
-          <a:stretch>
-            <a:fillRect/>
-          </a:stretch>
-        </p:blipFill>
-        <p:spPr>
-          <a:xfrm>
-            <a:off x="8698523" y="-229216"/>
-            <a:ext cx="3622431" cy="1704766"/>
-          </a:xfrm>
-          <a:prstGeom prst="rect">
-            <a:avLst/>
-          </a:prstGeom>
-        </p:spPr>
-      </p:pic>
-    </p:spTree>
-    <p:extLst>
-      <p:ext uri="{BB962C8B-B14F-4D97-AF65-F5344CB8AC3E}">
-        <p14:creationId xmlns:p14="http://schemas.microsoft.com/office/powerpoint/2010/main" val="338137321"/>
-      </p:ext>
-    </p:extLst>
-  </p:cSld>
-  <p:clrMapOvr>
-    <a:masterClrMapping/>
-  </p:clrMapOvr>
-  <p:transition>
-    <p:fade/>
-  </p:transition>
 </p:sld>
 </file>
 
